--- a/Unit-4.pptx
+++ b/Unit-4.pptx
@@ -6,6 +6,9 @@
     <p:sldMasterId id="2147483660" r:id="rId2"/>
     <p:sldMasterId id="2147483666" r:id="rId3"/>
   </p:sldMasterIdLst>
+  <p:notesMasterIdLst>
+    <p:notesMasterId r:id="rId33"/>
+  </p:notesMasterIdLst>
   <p:sldIdLst>
     <p:sldId id="256" r:id="rId4"/>
     <p:sldId id="282" r:id="rId5"/>
@@ -25,9 +28,17 @@
     <p:sldId id="261" r:id="rId19"/>
     <p:sldId id="262" r:id="rId20"/>
     <p:sldId id="264" r:id="rId21"/>
-    <p:sldId id="265" r:id="rId22"/>
-    <p:sldId id="266" r:id="rId23"/>
-    <p:sldId id="267" r:id="rId24"/>
+    <p:sldId id="291" r:id="rId22"/>
+    <p:sldId id="265" r:id="rId23"/>
+    <p:sldId id="294" r:id="rId24"/>
+    <p:sldId id="266" r:id="rId25"/>
+    <p:sldId id="267" r:id="rId26"/>
+    <p:sldId id="293" r:id="rId27"/>
+    <p:sldId id="295" r:id="rId28"/>
+    <p:sldId id="296" r:id="rId29"/>
+    <p:sldId id="297" r:id="rId30"/>
+    <p:sldId id="298" r:id="rId31"/>
+    <p:sldId id="299" r:id="rId32"/>
   </p:sldIdLst>
   <p:sldSz cx="9144000" cy="6858000" type="screen4x3"/>
   <p:notesSz cx="6858000" cy="9144000"/>
@@ -129,6 +140,434 @@
 </p:presentation>
 </file>
 
+<file path=ppt/notesMasters/notesMaster1.xml><?xml version="1.0" encoding="utf-8"?>
+<p:notesMaster xmlns:a="http://schemas.openxmlformats.org/drawingml/2006/main" xmlns:r="http://schemas.openxmlformats.org/officeDocument/2006/relationships" xmlns:p="http://schemas.openxmlformats.org/presentationml/2006/main">
+  <p:cSld>
+    <p:bg>
+      <p:bgRef idx="1001">
+        <a:schemeClr val="bg1"/>
+      </p:bgRef>
+    </p:bg>
+    <p:spTree>
+      <p:nvGrpSpPr>
+        <p:cNvPr id="1" name=""/>
+        <p:cNvGrpSpPr/>
+        <p:nvPr/>
+      </p:nvGrpSpPr>
+      <p:grpSpPr>
+        <a:xfrm>
+          <a:off x="0" y="0"/>
+          <a:ext cx="0" cy="0"/>
+          <a:chOff x="0" y="0"/>
+          <a:chExt cx="0" cy="0"/>
+        </a:xfrm>
+      </p:grpSpPr>
+      <p:sp>
+        <p:nvSpPr>
+          <p:cNvPr id="2" name="Header Placeholder 1"/>
+          <p:cNvSpPr>
+            <a:spLocks noGrp="1"/>
+          </p:cNvSpPr>
+          <p:nvPr>
+            <p:ph type="hdr" sz="quarter"/>
+          </p:nvPr>
+        </p:nvSpPr>
+        <p:spPr>
+          <a:xfrm>
+            <a:off x="0" y="0"/>
+            <a:ext cx="2971800" cy="457200"/>
+          </a:xfrm>
+          <a:prstGeom prst="rect">
+            <a:avLst/>
+          </a:prstGeom>
+        </p:spPr>
+        <p:txBody>
+          <a:bodyPr vert="horz" lIns="91440" tIns="45720" rIns="91440" bIns="45720" rtlCol="0"/>
+          <a:lstStyle>
+            <a:lvl1pPr algn="l">
+              <a:defRPr sz="1200"/>
+            </a:lvl1pPr>
+          </a:lstStyle>
+          <a:p>
+            <a:endParaRPr lang="en-US"/>
+          </a:p>
+        </p:txBody>
+      </p:sp>
+      <p:sp>
+        <p:nvSpPr>
+          <p:cNvPr id="3" name="Date Placeholder 2"/>
+          <p:cNvSpPr>
+            <a:spLocks noGrp="1"/>
+          </p:cNvSpPr>
+          <p:nvPr>
+            <p:ph type="dt" idx="1"/>
+          </p:nvPr>
+        </p:nvSpPr>
+        <p:spPr>
+          <a:xfrm>
+            <a:off x="3884613" y="0"/>
+            <a:ext cx="2971800" cy="457200"/>
+          </a:xfrm>
+          <a:prstGeom prst="rect">
+            <a:avLst/>
+          </a:prstGeom>
+        </p:spPr>
+        <p:txBody>
+          <a:bodyPr vert="horz" lIns="91440" tIns="45720" rIns="91440" bIns="45720" rtlCol="0"/>
+          <a:lstStyle>
+            <a:lvl1pPr algn="r">
+              <a:defRPr sz="1200"/>
+            </a:lvl1pPr>
+          </a:lstStyle>
+          <a:p>
+            <a:fld id="{064A3F41-4145-4356-B610-58F1244BF489}" type="datetimeFigureOut">
+              <a:rPr lang="en-US" smtClean="0"/>
+              <a:t>4/17/2023</a:t>
+            </a:fld>
+            <a:endParaRPr lang="en-US"/>
+          </a:p>
+        </p:txBody>
+      </p:sp>
+      <p:sp>
+        <p:nvSpPr>
+          <p:cNvPr id="4" name="Slide Image Placeholder 3"/>
+          <p:cNvSpPr>
+            <a:spLocks noGrp="1" noRot="1" noChangeAspect="1"/>
+          </p:cNvSpPr>
+          <p:nvPr>
+            <p:ph type="sldImg" idx="2"/>
+          </p:nvPr>
+        </p:nvSpPr>
+        <p:spPr>
+          <a:xfrm>
+            <a:off x="1143000" y="685800"/>
+            <a:ext cx="4572000" cy="3429000"/>
+          </a:xfrm>
+          <a:prstGeom prst="rect">
+            <a:avLst/>
+          </a:prstGeom>
+          <a:noFill/>
+          <a:ln w="12700">
+            <a:solidFill>
+              <a:prstClr val="black"/>
+            </a:solidFill>
+          </a:ln>
+        </p:spPr>
+        <p:txBody>
+          <a:bodyPr vert="horz" lIns="91440" tIns="45720" rIns="91440" bIns="45720" rtlCol="0" anchor="ctr"/>
+          <a:lstStyle/>
+          <a:p>
+            <a:endParaRPr lang="en-US"/>
+          </a:p>
+        </p:txBody>
+      </p:sp>
+      <p:sp>
+        <p:nvSpPr>
+          <p:cNvPr id="5" name="Notes Placeholder 4"/>
+          <p:cNvSpPr>
+            <a:spLocks noGrp="1"/>
+          </p:cNvSpPr>
+          <p:nvPr>
+            <p:ph type="body" sz="quarter" idx="3"/>
+          </p:nvPr>
+        </p:nvSpPr>
+        <p:spPr>
+          <a:xfrm>
+            <a:off x="685800" y="4343400"/>
+            <a:ext cx="5486400" cy="4114800"/>
+          </a:xfrm>
+          <a:prstGeom prst="rect">
+            <a:avLst/>
+          </a:prstGeom>
+        </p:spPr>
+        <p:txBody>
+          <a:bodyPr vert="horz" lIns="91440" tIns="45720" rIns="91440" bIns="45720" rtlCol="0">
+            <a:normAutofit/>
+          </a:bodyPr>
+          <a:lstStyle/>
+          <a:p>
+            <a:pPr lvl="0"/>
+            <a:r>
+              <a:rPr lang="en-US" smtClean="0"/>
+              <a:t>Click to edit Master text styles</a:t>
+            </a:r>
+          </a:p>
+          <a:p>
+            <a:pPr lvl="1"/>
+            <a:r>
+              <a:rPr lang="en-US" smtClean="0"/>
+              <a:t>Second level</a:t>
+            </a:r>
+          </a:p>
+          <a:p>
+            <a:pPr lvl="2"/>
+            <a:r>
+              <a:rPr lang="en-US" smtClean="0"/>
+              <a:t>Third level</a:t>
+            </a:r>
+          </a:p>
+          <a:p>
+            <a:pPr lvl="3"/>
+            <a:r>
+              <a:rPr lang="en-US" smtClean="0"/>
+              <a:t>Fourth level</a:t>
+            </a:r>
+          </a:p>
+          <a:p>
+            <a:pPr lvl="4"/>
+            <a:r>
+              <a:rPr lang="en-US" smtClean="0"/>
+              <a:t>Fifth level</a:t>
+            </a:r>
+            <a:endParaRPr lang="en-US"/>
+          </a:p>
+        </p:txBody>
+      </p:sp>
+      <p:sp>
+        <p:nvSpPr>
+          <p:cNvPr id="6" name="Footer Placeholder 5"/>
+          <p:cNvSpPr>
+            <a:spLocks noGrp="1"/>
+          </p:cNvSpPr>
+          <p:nvPr>
+            <p:ph type="ftr" sz="quarter" idx="4"/>
+          </p:nvPr>
+        </p:nvSpPr>
+        <p:spPr>
+          <a:xfrm>
+            <a:off x="0" y="8685213"/>
+            <a:ext cx="2971800" cy="457200"/>
+          </a:xfrm>
+          <a:prstGeom prst="rect">
+            <a:avLst/>
+          </a:prstGeom>
+        </p:spPr>
+        <p:txBody>
+          <a:bodyPr vert="horz" lIns="91440" tIns="45720" rIns="91440" bIns="45720" rtlCol="0" anchor="b"/>
+          <a:lstStyle>
+            <a:lvl1pPr algn="l">
+              <a:defRPr sz="1200"/>
+            </a:lvl1pPr>
+          </a:lstStyle>
+          <a:p>
+            <a:endParaRPr lang="en-US"/>
+          </a:p>
+        </p:txBody>
+      </p:sp>
+      <p:sp>
+        <p:nvSpPr>
+          <p:cNvPr id="7" name="Slide Number Placeholder 6"/>
+          <p:cNvSpPr>
+            <a:spLocks noGrp="1"/>
+          </p:cNvSpPr>
+          <p:nvPr>
+            <p:ph type="sldNum" sz="quarter" idx="5"/>
+          </p:nvPr>
+        </p:nvSpPr>
+        <p:spPr>
+          <a:xfrm>
+            <a:off x="3884613" y="8685213"/>
+            <a:ext cx="2971800" cy="457200"/>
+          </a:xfrm>
+          <a:prstGeom prst="rect">
+            <a:avLst/>
+          </a:prstGeom>
+        </p:spPr>
+        <p:txBody>
+          <a:bodyPr vert="horz" lIns="91440" tIns="45720" rIns="91440" bIns="45720" rtlCol="0" anchor="b"/>
+          <a:lstStyle>
+            <a:lvl1pPr algn="r">
+              <a:defRPr sz="1200"/>
+            </a:lvl1pPr>
+          </a:lstStyle>
+          <a:p>
+            <a:fld id="{FC37044B-A6A5-45BA-A38A-36A506D55C5D}" type="slidenum">
+              <a:rPr lang="en-US" smtClean="0"/>
+              <a:t>‹#›</a:t>
+            </a:fld>
+            <a:endParaRPr lang="en-US"/>
+          </a:p>
+        </p:txBody>
+      </p:sp>
+    </p:spTree>
+  </p:cSld>
+  <p:clrMap bg1="lt1" tx1="dk1" bg2="lt2" tx2="dk2" accent1="accent1" accent2="accent2" accent3="accent3" accent4="accent4" accent5="accent5" accent6="accent6" hlink="hlink" folHlink="folHlink"/>
+  <p:notesStyle>
+    <a:lvl1pPr marL="0" algn="l" defTabSz="914400" rtl="0" eaLnBrk="1" latinLnBrk="0" hangingPunct="1">
+      <a:defRPr sz="1200" kern="1200">
+        <a:solidFill>
+          <a:schemeClr val="tx1"/>
+        </a:solidFill>
+        <a:latin typeface="+mn-lt"/>
+        <a:ea typeface="+mn-ea"/>
+        <a:cs typeface="+mn-cs"/>
+      </a:defRPr>
+    </a:lvl1pPr>
+    <a:lvl2pPr marL="457200" algn="l" defTabSz="914400" rtl="0" eaLnBrk="1" latinLnBrk="0" hangingPunct="1">
+      <a:defRPr sz="1200" kern="1200">
+        <a:solidFill>
+          <a:schemeClr val="tx1"/>
+        </a:solidFill>
+        <a:latin typeface="+mn-lt"/>
+        <a:ea typeface="+mn-ea"/>
+        <a:cs typeface="+mn-cs"/>
+      </a:defRPr>
+    </a:lvl2pPr>
+    <a:lvl3pPr marL="914400" algn="l" defTabSz="914400" rtl="0" eaLnBrk="1" latinLnBrk="0" hangingPunct="1">
+      <a:defRPr sz="1200" kern="1200">
+        <a:solidFill>
+          <a:schemeClr val="tx1"/>
+        </a:solidFill>
+        <a:latin typeface="+mn-lt"/>
+        <a:ea typeface="+mn-ea"/>
+        <a:cs typeface="+mn-cs"/>
+      </a:defRPr>
+    </a:lvl3pPr>
+    <a:lvl4pPr marL="1371600" algn="l" defTabSz="914400" rtl="0" eaLnBrk="1" latinLnBrk="0" hangingPunct="1">
+      <a:defRPr sz="1200" kern="1200">
+        <a:solidFill>
+          <a:schemeClr val="tx1"/>
+        </a:solidFill>
+        <a:latin typeface="+mn-lt"/>
+        <a:ea typeface="+mn-ea"/>
+        <a:cs typeface="+mn-cs"/>
+      </a:defRPr>
+    </a:lvl4pPr>
+    <a:lvl5pPr marL="1828800" algn="l" defTabSz="914400" rtl="0" eaLnBrk="1" latinLnBrk="0" hangingPunct="1">
+      <a:defRPr sz="1200" kern="1200">
+        <a:solidFill>
+          <a:schemeClr val="tx1"/>
+        </a:solidFill>
+        <a:latin typeface="+mn-lt"/>
+        <a:ea typeface="+mn-ea"/>
+        <a:cs typeface="+mn-cs"/>
+      </a:defRPr>
+    </a:lvl5pPr>
+    <a:lvl6pPr marL="2286000" algn="l" defTabSz="914400" rtl="0" eaLnBrk="1" latinLnBrk="0" hangingPunct="1">
+      <a:defRPr sz="1200" kern="1200">
+        <a:solidFill>
+          <a:schemeClr val="tx1"/>
+        </a:solidFill>
+        <a:latin typeface="+mn-lt"/>
+        <a:ea typeface="+mn-ea"/>
+        <a:cs typeface="+mn-cs"/>
+      </a:defRPr>
+    </a:lvl6pPr>
+    <a:lvl7pPr marL="2743200" algn="l" defTabSz="914400" rtl="0" eaLnBrk="1" latinLnBrk="0" hangingPunct="1">
+      <a:defRPr sz="1200" kern="1200">
+        <a:solidFill>
+          <a:schemeClr val="tx1"/>
+        </a:solidFill>
+        <a:latin typeface="+mn-lt"/>
+        <a:ea typeface="+mn-ea"/>
+        <a:cs typeface="+mn-cs"/>
+      </a:defRPr>
+    </a:lvl7pPr>
+    <a:lvl8pPr marL="3200400" algn="l" defTabSz="914400" rtl="0" eaLnBrk="1" latinLnBrk="0" hangingPunct="1">
+      <a:defRPr sz="1200" kern="1200">
+        <a:solidFill>
+          <a:schemeClr val="tx1"/>
+        </a:solidFill>
+        <a:latin typeface="+mn-lt"/>
+        <a:ea typeface="+mn-ea"/>
+        <a:cs typeface="+mn-cs"/>
+      </a:defRPr>
+    </a:lvl8pPr>
+    <a:lvl9pPr marL="3657600" algn="l" defTabSz="914400" rtl="0" eaLnBrk="1" latinLnBrk="0" hangingPunct="1">
+      <a:defRPr sz="1200" kern="1200">
+        <a:solidFill>
+          <a:schemeClr val="tx1"/>
+        </a:solidFill>
+        <a:latin typeface="+mn-lt"/>
+        <a:ea typeface="+mn-ea"/>
+        <a:cs typeface="+mn-cs"/>
+      </a:defRPr>
+    </a:lvl9pPr>
+  </p:notesStyle>
+</p:notesMaster>
+</file>
+
+<file path=ppt/notesSlides/notesSlide1.xml><?xml version="1.0" encoding="utf-8"?>
+<p:notes xmlns:a="http://schemas.openxmlformats.org/drawingml/2006/main" xmlns:r="http://schemas.openxmlformats.org/officeDocument/2006/relationships" xmlns:p="http://schemas.openxmlformats.org/presentationml/2006/main">
+  <p:cSld>
+    <p:spTree>
+      <p:nvGrpSpPr>
+        <p:cNvPr id="1" name=""/>
+        <p:cNvGrpSpPr/>
+        <p:nvPr/>
+      </p:nvGrpSpPr>
+      <p:grpSpPr>
+        <a:xfrm>
+          <a:off x="0" y="0"/>
+          <a:ext cx="0" cy="0"/>
+          <a:chOff x="0" y="0"/>
+          <a:chExt cx="0" cy="0"/>
+        </a:xfrm>
+      </p:grpSpPr>
+      <p:sp>
+        <p:nvSpPr>
+          <p:cNvPr id="2" name="Slide Image Placeholder 1"/>
+          <p:cNvSpPr>
+            <a:spLocks noGrp="1" noRot="1" noChangeAspect="1"/>
+          </p:cNvSpPr>
+          <p:nvPr>
+            <p:ph type="sldImg"/>
+          </p:nvPr>
+        </p:nvSpPr>
+        <p:spPr/>
+      </p:sp>
+      <p:sp>
+        <p:nvSpPr>
+          <p:cNvPr id="3" name="Notes Placeholder 2"/>
+          <p:cNvSpPr>
+            <a:spLocks noGrp="1"/>
+          </p:cNvSpPr>
+          <p:nvPr>
+            <p:ph type="body" idx="1"/>
+          </p:nvPr>
+        </p:nvSpPr>
+        <p:spPr/>
+        <p:txBody>
+          <a:bodyPr>
+            <a:normAutofit/>
+          </a:bodyPr>
+          <a:lstStyle/>
+          <a:p>
+            <a:endParaRPr lang="en-US" dirty="0"/>
+          </a:p>
+        </p:txBody>
+      </p:sp>
+      <p:sp>
+        <p:nvSpPr>
+          <p:cNvPr id="4" name="Slide Number Placeholder 3"/>
+          <p:cNvSpPr>
+            <a:spLocks noGrp="1"/>
+          </p:cNvSpPr>
+          <p:nvPr>
+            <p:ph type="sldNum" sz="quarter" idx="10"/>
+          </p:nvPr>
+        </p:nvSpPr>
+        <p:spPr/>
+        <p:txBody>
+          <a:bodyPr/>
+          <a:lstStyle/>
+          <a:p>
+            <a:fld id="{FC37044B-A6A5-45BA-A38A-36A506D55C5D}" type="slidenum">
+              <a:rPr lang="en-US" smtClean="0"/>
+              <a:t>27</a:t>
+            </a:fld>
+            <a:endParaRPr lang="en-US"/>
+          </a:p>
+        </p:txBody>
+      </p:sp>
+    </p:spTree>
+  </p:cSld>
+  <p:clrMapOvr>
+    <a:masterClrMapping/>
+  </p:clrMapOvr>
+</p:notes>
+</file>
+
 <file path=ppt/slideLayouts/slideLayout1.xml><?xml version="1.0" encoding="utf-8"?>
 <p:sldLayout xmlns:a="http://schemas.openxmlformats.org/drawingml/2006/main" xmlns:r="http://schemas.openxmlformats.org/officeDocument/2006/relationships" xmlns:p="http://schemas.openxmlformats.org/presentationml/2006/main" type="title" preserve="1">
   <p:cSld name="Title Slide">
@@ -310,7 +749,8 @@
           <a:p>
             <a:fld id="{0FFF060D-9074-4E91-881B-BF5ED66F40E3}" type="datetimeFigureOut">
               <a:rPr lang="en-US" smtClean="0"/>
-              <a:t>4/15/2023</a:t>
+              <a:pPr/>
+              <a:t>4/17/2023</a:t>
             </a:fld>
             <a:endParaRPr lang="en-US"/>
           </a:p>
@@ -352,6 +792,7 @@
           <a:p>
             <a:fld id="{1E5EA1E5-FC52-4BAA-BF42-BA89123BB340}" type="slidenum">
               <a:rPr lang="en-US" smtClean="0"/>
+              <a:pPr/>
               <a:t>‹#›</a:t>
             </a:fld>
             <a:endParaRPr lang="en-US"/>
@@ -475,7 +916,8 @@
           <a:p>
             <a:fld id="{0FFF060D-9074-4E91-881B-BF5ED66F40E3}" type="datetimeFigureOut">
               <a:rPr lang="en-US" smtClean="0"/>
-              <a:t>4/15/2023</a:t>
+              <a:pPr/>
+              <a:t>4/17/2023</a:t>
             </a:fld>
             <a:endParaRPr lang="en-US"/>
           </a:p>
@@ -517,6 +959,7 @@
           <a:p>
             <a:fld id="{1E5EA1E5-FC52-4BAA-BF42-BA89123BB340}" type="slidenum">
               <a:rPr lang="en-US" smtClean="0"/>
+              <a:pPr/>
               <a:t>‹#›</a:t>
             </a:fld>
             <a:endParaRPr lang="en-US"/>
@@ -650,7 +1093,8 @@
           <a:p>
             <a:fld id="{0FFF060D-9074-4E91-881B-BF5ED66F40E3}" type="datetimeFigureOut">
               <a:rPr lang="en-US" smtClean="0"/>
-              <a:t>4/15/2023</a:t>
+              <a:pPr/>
+              <a:t>4/17/2023</a:t>
             </a:fld>
             <a:endParaRPr lang="en-US"/>
           </a:p>
@@ -692,6 +1136,7 @@
           <a:p>
             <a:fld id="{1E5EA1E5-FC52-4BAA-BF42-BA89123BB340}" type="slidenum">
               <a:rPr lang="en-US" smtClean="0"/>
+              <a:pPr/>
               <a:t>‹#›</a:t>
             </a:fld>
             <a:endParaRPr lang="en-US"/>
@@ -926,7 +1371,7 @@
             <a:fld id="{1D8BD707-D9CF-40AE-B4C6-C98DA3205C09}" type="datetimeFigureOut">
               <a:rPr lang="en-US"/>
               <a:pPr/>
-              <a:t>4/15/2023</a:t>
+              <a:t>4/17/2023</a:t>
             </a:fld>
             <a:endParaRPr lang="en-US"/>
           </a:p>
@@ -1109,7 +1554,7 @@
             <a:fld id="{1D8BD707-D9CF-40AE-B4C6-C98DA3205C09}" type="datetimeFigureOut">
               <a:rPr lang="en-US"/>
               <a:pPr/>
-              <a:t>4/15/2023</a:t>
+              <a:t>4/17/2023</a:t>
             </a:fld>
             <a:endParaRPr lang="en-US"/>
           </a:p>
@@ -1329,7 +1774,7 @@
             <a:fld id="{1D8BD707-D9CF-40AE-B4C6-C98DA3205C09}" type="datetimeFigureOut">
               <a:rPr lang="en-US"/>
               <a:pPr/>
-              <a:t>4/15/2023</a:t>
+              <a:t>4/17/2023</a:t>
             </a:fld>
             <a:endParaRPr lang="en-US"/>
           </a:p>
@@ -1483,7 +1928,7 @@
             <a:fld id="{1D8BD707-D9CF-40AE-B4C6-C98DA3205C09}" type="datetimeFigureOut">
               <a:rPr lang="en-US"/>
               <a:pPr/>
-              <a:t>4/15/2023</a:t>
+              <a:t>4/17/2023</a:t>
             </a:fld>
             <a:endParaRPr lang="en-US"/>
           </a:p>
@@ -1608,7 +2053,7 @@
             <a:fld id="{1D8BD707-D9CF-40AE-B4C6-C98DA3205C09}" type="datetimeFigureOut">
               <a:rPr lang="en-US"/>
               <a:pPr/>
-              <a:t>4/15/2023</a:t>
+              <a:t>4/17/2023</a:t>
             </a:fld>
             <a:endParaRPr lang="en-US"/>
           </a:p>
@@ -1879,7 +2324,7 @@
             <a:fld id="{1D8BD707-D9CF-40AE-B4C6-C98DA3205C09}" type="datetimeFigureOut">
               <a:rPr lang="en-US"/>
               <a:pPr/>
-              <a:t>4/15/2023</a:t>
+              <a:t>4/17/2023</a:t>
             </a:fld>
             <a:endParaRPr lang="en-US"/>
           </a:p>
@@ -2062,7 +2507,7 @@
             <a:fld id="{1D8BD707-D9CF-40AE-B4C6-C98DA3205C09}" type="datetimeFigureOut">
               <a:rPr lang="en-US"/>
               <a:pPr/>
-              <a:t>4/15/2023</a:t>
+              <a:t>4/17/2023</a:t>
             </a:fld>
             <a:endParaRPr lang="en-US"/>
           </a:p>
@@ -2282,7 +2727,7 @@
             <a:fld id="{1D8BD707-D9CF-40AE-B4C6-C98DA3205C09}" type="datetimeFigureOut">
               <a:rPr lang="en-US"/>
               <a:pPr/>
-              <a:t>4/15/2023</a:t>
+              <a:t>4/17/2023</a:t>
             </a:fld>
             <a:endParaRPr lang="en-US"/>
           </a:p>
@@ -2442,7 +2887,8 @@
           <a:p>
             <a:fld id="{0FFF060D-9074-4E91-881B-BF5ED66F40E3}" type="datetimeFigureOut">
               <a:rPr lang="en-US" smtClean="0"/>
-              <a:t>4/15/2023</a:t>
+              <a:pPr/>
+              <a:t>4/17/2023</a:t>
             </a:fld>
             <a:endParaRPr lang="en-US"/>
           </a:p>
@@ -2484,6 +2930,7 @@
           <a:p>
             <a:fld id="{1E5EA1E5-FC52-4BAA-BF42-BA89123BB340}" type="slidenum">
               <a:rPr lang="en-US" smtClean="0"/>
+              <a:pPr/>
               <a:t>‹#›</a:t>
             </a:fld>
             <a:endParaRPr lang="en-US"/>
@@ -2601,7 +3048,7 @@
             <a:fld id="{1D8BD707-D9CF-40AE-B4C6-C98DA3205C09}" type="datetimeFigureOut">
               <a:rPr lang="en-US"/>
               <a:pPr/>
-              <a:t>4/15/2023</a:t>
+              <a:t>4/17/2023</a:t>
             </a:fld>
             <a:endParaRPr lang="en-US"/>
           </a:p>
@@ -2726,7 +3173,7 @@
             <a:fld id="{1D8BD707-D9CF-40AE-B4C6-C98DA3205C09}" type="datetimeFigureOut">
               <a:rPr lang="en-US"/>
               <a:pPr/>
-              <a:t>4/15/2023</a:t>
+              <a:t>4/17/2023</a:t>
             </a:fld>
             <a:endParaRPr lang="en-US"/>
           </a:p>
@@ -2962,7 +3409,8 @@
           <a:p>
             <a:fld id="{0FFF060D-9074-4E91-881B-BF5ED66F40E3}" type="datetimeFigureOut">
               <a:rPr lang="en-US" smtClean="0"/>
-              <a:t>4/15/2023</a:t>
+              <a:pPr/>
+              <a:t>4/17/2023</a:t>
             </a:fld>
             <a:endParaRPr lang="en-US"/>
           </a:p>
@@ -3004,6 +3452,7 @@
           <a:p>
             <a:fld id="{1E5EA1E5-FC52-4BAA-BF42-BA89123BB340}" type="slidenum">
               <a:rPr lang="en-US" smtClean="0"/>
+              <a:pPr/>
               <a:t>‹#›</a:t>
             </a:fld>
             <a:endParaRPr lang="en-US"/>
@@ -3245,7 +3694,8 @@
           <a:p>
             <a:fld id="{0FFF060D-9074-4E91-881B-BF5ED66F40E3}" type="datetimeFigureOut">
               <a:rPr lang="en-US" smtClean="0"/>
-              <a:t>4/15/2023</a:t>
+              <a:pPr/>
+              <a:t>4/17/2023</a:t>
             </a:fld>
             <a:endParaRPr lang="en-US"/>
           </a:p>
@@ -3287,6 +3737,7 @@
           <a:p>
             <a:fld id="{1E5EA1E5-FC52-4BAA-BF42-BA89123BB340}" type="slidenum">
               <a:rPr lang="en-US" smtClean="0"/>
+              <a:pPr/>
               <a:t>‹#›</a:t>
             </a:fld>
             <a:endParaRPr lang="en-US"/>
@@ -3662,7 +4113,8 @@
           <a:p>
             <a:fld id="{0FFF060D-9074-4E91-881B-BF5ED66F40E3}" type="datetimeFigureOut">
               <a:rPr lang="en-US" smtClean="0"/>
-              <a:t>4/15/2023</a:t>
+              <a:pPr/>
+              <a:t>4/17/2023</a:t>
             </a:fld>
             <a:endParaRPr lang="en-US"/>
           </a:p>
@@ -3704,6 +4156,7 @@
           <a:p>
             <a:fld id="{1E5EA1E5-FC52-4BAA-BF42-BA89123BB340}" type="slidenum">
               <a:rPr lang="en-US" smtClean="0"/>
+              <a:pPr/>
               <a:t>‹#›</a:t>
             </a:fld>
             <a:endParaRPr lang="en-US"/>
@@ -3775,7 +4228,8 @@
           <a:p>
             <a:fld id="{0FFF060D-9074-4E91-881B-BF5ED66F40E3}" type="datetimeFigureOut">
               <a:rPr lang="en-US" smtClean="0"/>
-              <a:t>4/15/2023</a:t>
+              <a:pPr/>
+              <a:t>4/17/2023</a:t>
             </a:fld>
             <a:endParaRPr lang="en-US"/>
           </a:p>
@@ -3817,6 +4271,7 @@
           <a:p>
             <a:fld id="{1E5EA1E5-FC52-4BAA-BF42-BA89123BB340}" type="slidenum">
               <a:rPr lang="en-US" smtClean="0"/>
+              <a:pPr/>
               <a:t>‹#›</a:t>
             </a:fld>
             <a:endParaRPr lang="en-US"/>
@@ -3865,7 +4320,8 @@
           <a:p>
             <a:fld id="{0FFF060D-9074-4E91-881B-BF5ED66F40E3}" type="datetimeFigureOut">
               <a:rPr lang="en-US" smtClean="0"/>
-              <a:t>4/15/2023</a:t>
+              <a:pPr/>
+              <a:t>4/17/2023</a:t>
             </a:fld>
             <a:endParaRPr lang="en-US"/>
           </a:p>
@@ -3907,6 +4363,7 @@
           <a:p>
             <a:fld id="{1E5EA1E5-FC52-4BAA-BF42-BA89123BB340}" type="slidenum">
               <a:rPr lang="en-US" smtClean="0"/>
+              <a:pPr/>
               <a:t>‹#›</a:t>
             </a:fld>
             <a:endParaRPr lang="en-US"/>
@@ -4137,7 +4594,8 @@
           <a:p>
             <a:fld id="{0FFF060D-9074-4E91-881B-BF5ED66F40E3}" type="datetimeFigureOut">
               <a:rPr lang="en-US" smtClean="0"/>
-              <a:t>4/15/2023</a:t>
+              <a:pPr/>
+              <a:t>4/17/2023</a:t>
             </a:fld>
             <a:endParaRPr lang="en-US"/>
           </a:p>
@@ -4179,6 +4637,7 @@
           <a:p>
             <a:fld id="{1E5EA1E5-FC52-4BAA-BF42-BA89123BB340}" type="slidenum">
               <a:rPr lang="en-US" smtClean="0"/>
+              <a:pPr/>
               <a:t>‹#›</a:t>
             </a:fld>
             <a:endParaRPr lang="en-US"/>
@@ -4385,7 +4844,8 @@
           <a:p>
             <a:fld id="{0FFF060D-9074-4E91-881B-BF5ED66F40E3}" type="datetimeFigureOut">
               <a:rPr lang="en-US" smtClean="0"/>
-              <a:t>4/15/2023</a:t>
+              <a:pPr/>
+              <a:t>4/17/2023</a:t>
             </a:fld>
             <a:endParaRPr lang="en-US"/>
           </a:p>
@@ -4427,6 +4887,7 @@
           <a:p>
             <a:fld id="{1E5EA1E5-FC52-4BAA-BF42-BA89123BB340}" type="slidenum">
               <a:rPr lang="en-US" smtClean="0"/>
+              <a:pPr/>
               <a:t>‹#›</a:t>
             </a:fld>
             <a:endParaRPr lang="en-US"/>
@@ -4593,7 +5054,8 @@
           <a:p>
             <a:fld id="{0FFF060D-9074-4E91-881B-BF5ED66F40E3}" type="datetimeFigureOut">
               <a:rPr lang="en-US" smtClean="0"/>
-              <a:t>4/15/2023</a:t>
+              <a:pPr/>
+              <a:t>4/17/2023</a:t>
             </a:fld>
             <a:endParaRPr lang="en-US"/>
           </a:p>
@@ -4671,6 +5133,7 @@
           <a:p>
             <a:fld id="{1E5EA1E5-FC52-4BAA-BF42-BA89123BB340}" type="slidenum">
               <a:rPr lang="en-US" smtClean="0"/>
+              <a:pPr/>
               <a:t>‹#›</a:t>
             </a:fld>
             <a:endParaRPr lang="en-US"/>
@@ -5148,7 +5611,7 @@
             <a:fld id="{1D8BD707-D9CF-40AE-B4C6-C98DA3205C09}" type="datetimeFigureOut">
               <a:rPr lang="en-US"/>
               <a:pPr/>
-              <a:t>4/15/2023</a:t>
+              <a:t>4/17/2023</a:t>
             </a:fld>
             <a:endParaRPr lang="en-US"/>
           </a:p>
@@ -5557,7 +6020,7 @@
             <a:fld id="{1D8BD707-D9CF-40AE-B4C6-C98DA3205C09}" type="datetimeFigureOut">
               <a:rPr lang="en-US"/>
               <a:pPr/>
-              <a:t>4/15/2023</a:t>
+              <a:t>4/17/2023</a:t>
             </a:fld>
             <a:endParaRPr lang="en-US"/>
           </a:p>
@@ -5870,11 +6333,7 @@
           <a:p>
             <a:r>
               <a:rPr lang="en-US" b="1" dirty="0" smtClean="0"/>
-              <a:t>To </a:t>
-            </a:r>
-            <a:r>
-              <a:rPr lang="en-US" b="1" dirty="0" smtClean="0"/>
-              <a:t>better filter emails as spam or not</a:t>
+              <a:t>To better filter emails as spam or not</a:t>
             </a:r>
             <a:endParaRPr lang="en-US" dirty="0"/>
           </a:p>
@@ -5905,7 +6364,6 @@
               <a:rPr lang="en-US" b="1" dirty="0" smtClean="0"/>
               <a:t> </a:t>
             </a:r>
-            <a:endParaRPr lang="en-US" b="1" dirty="0" smtClean="0"/>
           </a:p>
           <a:p>
             <a:pPr fontAlgn="base"/>
@@ -6039,11 +6497,7 @@
             <a:pPr fontAlgn="base"/>
             <a:r>
               <a:rPr lang="en-US" dirty="0" smtClean="0"/>
-              <a:t>Task </a:t>
-            </a:r>
-            <a:r>
-              <a:rPr lang="en-US" dirty="0" smtClean="0"/>
-              <a:t>– Playing checkers game </a:t>
+              <a:t>Task – Playing checkers game </a:t>
             </a:r>
           </a:p>
           <a:p>
@@ -6161,11 +6615,7 @@
             <a:pPr fontAlgn="base"/>
             <a:r>
               <a:rPr lang="en-US" dirty="0" smtClean="0"/>
-              <a:t>Task </a:t>
-            </a:r>
-            <a:r>
-              <a:rPr lang="en-US" dirty="0" smtClean="0"/>
-              <a:t>– forecasting different fruits for recognition</a:t>
+              <a:t>Task – forecasting different fruits for recognition</a:t>
             </a:r>
           </a:p>
           <a:p>
@@ -6270,11 +6720,7 @@
             <a:pPr fontAlgn="base"/>
             <a:r>
               <a:rPr lang="en-US" dirty="0" smtClean="0"/>
-              <a:t>Task </a:t>
-            </a:r>
-            <a:r>
-              <a:rPr lang="en-US" dirty="0" smtClean="0"/>
-              <a:t>– translating one type of language used in a document to other language</a:t>
+              <a:t>Task – translating one type of language used in a document to other language</a:t>
             </a:r>
           </a:p>
           <a:p>
@@ -6899,86 +7345,52 @@
           <a:lstStyle/>
           <a:p>
             <a:r>
-              <a:rPr lang="en-US" dirty="0" smtClean="0"/>
-              <a:t>Choosing the Training Experience</a:t>
+              <a:rPr lang="en-US" dirty="0" smtClean="0">
+                <a:solidFill>
+                  <a:srgbClr val="FF0000"/>
+                </a:solidFill>
+              </a:rPr>
+              <a:t>DESIGNING A LEARNING SYSTEM</a:t>
             </a:r>
             <a:endParaRPr lang="en-US" dirty="0"/>
           </a:p>
         </p:txBody>
       </p:sp>
-      <p:sp>
-        <p:nvSpPr>
-          <p:cNvPr id="3" name="Content Placeholder 2"/>
-          <p:cNvSpPr>
-            <a:spLocks noGrp="1"/>
-          </p:cNvSpPr>
+      <p:pic>
+        <p:nvPicPr>
+          <p:cNvPr id="30722" name="Picture 2"/>
+          <p:cNvPicPr>
+            <a:picLocks noGrp="1" noChangeAspect="1" noChangeArrowheads="1"/>
+          </p:cNvPicPr>
           <p:nvPr>
             <p:ph idx="1"/>
           </p:nvPr>
-        </p:nvSpPr>
-        <p:spPr/>
-        <p:txBody>
-          <a:bodyPr>
-            <a:normAutofit fontScale="92500" lnSpcReduction="10000"/>
-          </a:bodyPr>
-          <a:lstStyle/>
-          <a:p>
-            <a:r>
-              <a:rPr lang="en-US" dirty="0" smtClean="0"/>
-              <a:t>The first design choice we face </a:t>
-            </a:r>
-            <a:r>
-              <a:rPr lang="en-US" dirty="0" smtClean="0">
-                <a:solidFill>
-                  <a:srgbClr val="7030A0"/>
-                </a:solidFill>
-              </a:rPr>
-              <a:t>is to choose the type of training experience</a:t>
-            </a:r>
-            <a:r>
-              <a:rPr lang="en-US" dirty="0" smtClean="0"/>
-              <a:t> from which our system will learn.</a:t>
-            </a:r>
-          </a:p>
-          <a:p>
-            <a:r>
-              <a:rPr lang="en-US" dirty="0" smtClean="0"/>
-              <a:t>A second important attribute of the training </a:t>
-            </a:r>
-            <a:r>
-              <a:rPr lang="en-US" dirty="0" smtClean="0">
-                <a:solidFill>
-                  <a:srgbClr val="7030A0"/>
-                </a:solidFill>
-              </a:rPr>
-              <a:t>experience is the degree to which the learner </a:t>
-            </a:r>
-            <a:r>
-              <a:rPr lang="en-US" dirty="0" smtClean="0"/>
-              <a:t>controls the sequence of training examples.</a:t>
-            </a:r>
-          </a:p>
-          <a:p>
-            <a:r>
-              <a:rPr lang="en-US" dirty="0" smtClean="0"/>
-              <a:t>A third important attribute of the training experience </a:t>
-            </a:r>
-            <a:r>
-              <a:rPr lang="en-US" dirty="0" smtClean="0">
-                <a:solidFill>
-                  <a:srgbClr val="7030A0"/>
-                </a:solidFill>
-              </a:rPr>
-              <a:t>is how well it represents the distribution of examples </a:t>
-            </a:r>
-            <a:r>
-              <a:rPr lang="en-US" dirty="0" smtClean="0"/>
-              <a:t>over which the final system performance P must be measured.</a:t>
-            </a:r>
-            <a:endParaRPr lang="en-US" dirty="0"/>
-          </a:p>
-        </p:txBody>
-      </p:sp>
+        </p:nvPicPr>
+        <p:blipFill>
+          <a:blip r:embed="rId2"/>
+          <a:srcRect/>
+          <a:stretch>
+            <a:fillRect/>
+          </a:stretch>
+        </p:blipFill>
+        <p:spPr bwMode="auto">
+          <a:xfrm>
+            <a:off x="1419225" y="1571612"/>
+            <a:ext cx="6305550" cy="4071966"/>
+          </a:xfrm>
+          <a:prstGeom prst="rect">
+            <a:avLst/>
+          </a:prstGeom>
+          <a:noFill/>
+          <a:ln w="9525">
+            <a:noFill/>
+            <a:miter lim="800000"/>
+            <a:headEnd/>
+            <a:tailEnd/>
+          </a:ln>
+          <a:effectLst/>
+        </p:spPr>
+      </p:pic>
     </p:spTree>
   </p:cSld>
   <p:clrMapOvr>
@@ -7103,6 +7515,233 @@
 </file>
 
 <file path=ppt/slides/slide20.xml><?xml version="1.0" encoding="utf-8"?>
+<p:sld xmlns:a="http://schemas.openxmlformats.org/drawingml/2006/main" xmlns:r="http://schemas.openxmlformats.org/officeDocument/2006/relationships" xmlns:p="http://schemas.openxmlformats.org/presentationml/2006/main">
+  <p:cSld>
+    <p:spTree>
+      <p:nvGrpSpPr>
+        <p:cNvPr id="1" name=""/>
+        <p:cNvGrpSpPr/>
+        <p:nvPr/>
+      </p:nvGrpSpPr>
+      <p:grpSpPr>
+        <a:xfrm>
+          <a:off x="0" y="0"/>
+          <a:ext cx="0" cy="0"/>
+          <a:chOff x="0" y="0"/>
+          <a:chExt cx="0" cy="0"/>
+        </a:xfrm>
+      </p:grpSpPr>
+      <p:sp>
+        <p:nvSpPr>
+          <p:cNvPr id="2" name="Title 1"/>
+          <p:cNvSpPr>
+            <a:spLocks noGrp="1"/>
+          </p:cNvSpPr>
+          <p:nvPr>
+            <p:ph type="title"/>
+          </p:nvPr>
+        </p:nvSpPr>
+        <p:spPr/>
+        <p:txBody>
+          <a:bodyPr/>
+          <a:lstStyle/>
+          <a:p>
+            <a:r>
+              <a:rPr lang="en-US" dirty="0" smtClean="0"/>
+              <a:t>Choosing the Training Experience</a:t>
+            </a:r>
+            <a:endParaRPr lang="en-US" dirty="0"/>
+          </a:p>
+        </p:txBody>
+      </p:sp>
+      <p:sp>
+        <p:nvSpPr>
+          <p:cNvPr id="3" name="Content Placeholder 2"/>
+          <p:cNvSpPr>
+            <a:spLocks noGrp="1"/>
+          </p:cNvSpPr>
+          <p:nvPr>
+            <p:ph idx="1"/>
+          </p:nvPr>
+        </p:nvSpPr>
+        <p:spPr/>
+        <p:txBody>
+          <a:bodyPr>
+            <a:normAutofit fontScale="92500" lnSpcReduction="10000"/>
+          </a:bodyPr>
+          <a:lstStyle/>
+          <a:p>
+            <a:r>
+              <a:rPr lang="en-US" dirty="0" smtClean="0"/>
+              <a:t>The first design choice we face </a:t>
+            </a:r>
+            <a:r>
+              <a:rPr lang="en-US" dirty="0" smtClean="0">
+                <a:solidFill>
+                  <a:srgbClr val="7030A0"/>
+                </a:solidFill>
+              </a:rPr>
+              <a:t>is to choose the type of training experience</a:t>
+            </a:r>
+            <a:r>
+              <a:rPr lang="en-US" dirty="0" smtClean="0"/>
+              <a:t> from which our system will learn.</a:t>
+            </a:r>
+          </a:p>
+          <a:p>
+            <a:r>
+              <a:rPr lang="en-US" dirty="0" smtClean="0"/>
+              <a:t>A second important attribute of the training </a:t>
+            </a:r>
+            <a:r>
+              <a:rPr lang="en-US" dirty="0" smtClean="0">
+                <a:solidFill>
+                  <a:srgbClr val="7030A0"/>
+                </a:solidFill>
+              </a:rPr>
+              <a:t>experience is the degree to which the learner </a:t>
+            </a:r>
+            <a:r>
+              <a:rPr lang="en-US" dirty="0" smtClean="0"/>
+              <a:t>controls the sequence of training examples.</a:t>
+            </a:r>
+          </a:p>
+          <a:p>
+            <a:r>
+              <a:rPr lang="en-US" dirty="0" smtClean="0"/>
+              <a:t>A third important attribute of the training experience </a:t>
+            </a:r>
+            <a:r>
+              <a:rPr lang="en-US" dirty="0" smtClean="0">
+                <a:solidFill>
+                  <a:srgbClr val="7030A0"/>
+                </a:solidFill>
+              </a:rPr>
+              <a:t>is how well it represents the distribution of examples </a:t>
+            </a:r>
+            <a:r>
+              <a:rPr lang="en-US" dirty="0" smtClean="0"/>
+              <a:t>over which the final system performance P must be measured.</a:t>
+            </a:r>
+            <a:endParaRPr lang="en-US" dirty="0"/>
+          </a:p>
+        </p:txBody>
+      </p:sp>
+    </p:spTree>
+  </p:cSld>
+  <p:clrMapOvr>
+    <a:masterClrMapping/>
+  </p:clrMapOvr>
+</p:sld>
+</file>
+
+<file path=ppt/slides/slide21.xml><?xml version="1.0" encoding="utf-8"?>
+<p:sld xmlns:a="http://schemas.openxmlformats.org/drawingml/2006/main" xmlns:r="http://schemas.openxmlformats.org/officeDocument/2006/relationships" xmlns:p="http://schemas.openxmlformats.org/presentationml/2006/main">
+  <p:cSld>
+    <p:spTree>
+      <p:nvGrpSpPr>
+        <p:cNvPr id="1" name=""/>
+        <p:cNvGrpSpPr/>
+        <p:nvPr/>
+      </p:nvGrpSpPr>
+      <p:grpSpPr>
+        <a:xfrm>
+          <a:off x="0" y="0"/>
+          <a:ext cx="0" cy="0"/>
+          <a:chOff x="0" y="0"/>
+          <a:chExt cx="0" cy="0"/>
+        </a:xfrm>
+      </p:grpSpPr>
+      <p:sp>
+        <p:nvSpPr>
+          <p:cNvPr id="2" name="Title 1"/>
+          <p:cNvSpPr>
+            <a:spLocks noGrp="1"/>
+          </p:cNvSpPr>
+          <p:nvPr>
+            <p:ph type="title"/>
+          </p:nvPr>
+        </p:nvSpPr>
+        <p:spPr/>
+        <p:txBody>
+          <a:bodyPr>
+            <a:normAutofit fontScale="90000"/>
+          </a:bodyPr>
+          <a:lstStyle/>
+          <a:p>
+            <a:r>
+              <a:rPr lang="en-US" dirty="0" smtClean="0"/>
+              <a:t>Below are the attributes which will impact on Success and Failure of Data:</a:t>
+            </a:r>
+            <a:br>
+              <a:rPr lang="en-US" dirty="0" smtClean="0"/>
+            </a:br>
+            <a:endParaRPr lang="en-US" dirty="0"/>
+          </a:p>
+        </p:txBody>
+      </p:sp>
+      <p:sp>
+        <p:nvSpPr>
+          <p:cNvPr id="3" name="Content Placeholder 2"/>
+          <p:cNvSpPr>
+            <a:spLocks noGrp="1"/>
+          </p:cNvSpPr>
+          <p:nvPr>
+            <p:ph idx="1"/>
+          </p:nvPr>
+        </p:nvSpPr>
+        <p:spPr/>
+        <p:txBody>
+          <a:bodyPr>
+            <a:normAutofit fontScale="62500" lnSpcReduction="20000"/>
+          </a:bodyPr>
+          <a:lstStyle/>
+          <a:p>
+            <a:pPr fontAlgn="base"/>
+            <a:r>
+              <a:rPr lang="en-US" dirty="0" smtClean="0"/>
+              <a:t>The </a:t>
+            </a:r>
+            <a:r>
+              <a:rPr lang="en-US" dirty="0" smtClean="0"/>
+              <a:t>training experience will be able to provide direct or indirect feedback regarding choices. For example: While Playing chess the training data will provide feedback to itself like instead of this move if this is chosen the chances of success increases.</a:t>
+            </a:r>
+          </a:p>
+          <a:p>
+            <a:pPr fontAlgn="base"/>
+            <a:r>
+              <a:rPr lang="en-US" dirty="0" smtClean="0"/>
+              <a:t>Second important attribute is the degree to which the learner will control the sequences of training examples. For example: when training data is fed to the machine then at that time accuracy is very less but when it gains experience while playing again and again with itself or opponent the machine algorithm will get feedback and control the chess game accordingly.</a:t>
+            </a:r>
+          </a:p>
+          <a:p>
+            <a:pPr fontAlgn="base"/>
+            <a:r>
+              <a:rPr lang="en-US" dirty="0" smtClean="0"/>
+              <a:t>Third important attribute is how it will represent the distribution of examples over which performance will be measured. For example, a Machine learning algorithm will get experience while going through a number of different cases and different examples. Thus, Machine Learning Algorithm will get more and more experience by passing through more and more examples and hence its performance will increase.</a:t>
+            </a:r>
+          </a:p>
+          <a:p>
+            <a:endParaRPr lang="en-US" dirty="0"/>
+          </a:p>
+        </p:txBody>
+      </p:sp>
+    </p:spTree>
+  </p:cSld>
+  <p:clrMapOvr>
+    <a:masterClrMapping/>
+  </p:clrMapOvr>
+  <p:timing>
+    <p:tnLst>
+      <p:par>
+        <p:cTn id="1" dur="indefinite" restart="never" nodeType="tmRoot"/>
+      </p:par>
+    </p:tnLst>
+  </p:timing>
+</p:sld>
+</file>
+
+<file path=ppt/slides/slide22.xml><?xml version="1.0" encoding="utf-8"?>
 <p:sld xmlns:a="http://schemas.openxmlformats.org/drawingml/2006/main" xmlns:r="http://schemas.openxmlformats.org/officeDocument/2006/relationships" xmlns:p="http://schemas.openxmlformats.org/presentationml/2006/main">
   <p:cSld>
     <p:spTree>
@@ -7185,7 +7824,7 @@
 </p:sld>
 </file>
 
-<file path=ppt/slides/slide21.xml><?xml version="1.0" encoding="utf-8"?>
+<file path=ppt/slides/slide23.xml><?xml version="1.0" encoding="utf-8"?>
 <p:sld xmlns:a="http://schemas.openxmlformats.org/drawingml/2006/main" xmlns:r="http://schemas.openxmlformats.org/officeDocument/2006/relationships" xmlns:p="http://schemas.openxmlformats.org/presentationml/2006/main">
   <p:cSld>
     <p:spTree>
@@ -7237,13 +7876,649 @@
         </p:nvSpPr>
         <p:spPr/>
         <p:txBody>
+          <a:bodyPr>
+            <a:normAutofit fontScale="77500" lnSpcReduction="20000"/>
+          </a:bodyPr>
+          <a:lstStyle/>
+          <a:p>
+            <a:r>
+              <a:rPr lang="en-US" dirty="0" smtClean="0"/>
+              <a:t>The next design choice is to determine exactly what type of knowledge will be learned and how this will be used by the performance program</a:t>
+            </a:r>
+            <a:r>
+              <a:rPr lang="en-US" dirty="0" smtClean="0"/>
+              <a:t>.</a:t>
+            </a:r>
+          </a:p>
+          <a:p>
+            <a:r>
+              <a:rPr lang="en-US" dirty="0" smtClean="0"/>
+              <a:t>The next important step is choosing the target function. </a:t>
+            </a:r>
+            <a:endParaRPr lang="en-US" dirty="0" smtClean="0"/>
+          </a:p>
+          <a:p>
+            <a:r>
+              <a:rPr lang="en-US" dirty="0" smtClean="0"/>
+              <a:t>It </a:t>
+            </a:r>
+            <a:r>
+              <a:rPr lang="en-US" dirty="0" smtClean="0"/>
+              <a:t>means according to the knowledge fed to the algorithm the </a:t>
+            </a:r>
+            <a:r>
+              <a:rPr lang="en-US" dirty="0" smtClean="0">
+                <a:solidFill>
+                  <a:srgbClr val="FF0000"/>
+                </a:solidFill>
+              </a:rPr>
+              <a:t>machine learning will choose </a:t>
+            </a:r>
+            <a:r>
+              <a:rPr lang="en-US" dirty="0" err="1" smtClean="0">
+                <a:solidFill>
+                  <a:srgbClr val="FF0000"/>
+                </a:solidFill>
+              </a:rPr>
+              <a:t>NextMove</a:t>
+            </a:r>
+            <a:r>
+              <a:rPr lang="en-US" dirty="0" smtClean="0">
+                <a:solidFill>
+                  <a:srgbClr val="FF0000"/>
+                </a:solidFill>
+              </a:rPr>
+              <a:t> </a:t>
+            </a:r>
+            <a:r>
+              <a:rPr lang="en-US" dirty="0" smtClean="0"/>
+              <a:t>function which will describe what type of legal moves should be taken. </a:t>
+            </a:r>
+            <a:endParaRPr lang="en-US" dirty="0" smtClean="0"/>
+          </a:p>
+          <a:p>
+            <a:r>
+              <a:rPr lang="en-US" dirty="0" smtClean="0"/>
+              <a:t> For example : While playing chess with the opponent, when opponent will play then the machine learning algorithm will decide what be the number of possible legal moves taken in order to get success.</a:t>
+            </a:r>
+            <a:endParaRPr lang="en-US" dirty="0"/>
+          </a:p>
+        </p:txBody>
+      </p:sp>
+    </p:spTree>
+  </p:cSld>
+  <p:clrMapOvr>
+    <a:masterClrMapping/>
+  </p:clrMapOvr>
+</p:sld>
+</file>
+
+<file path=ppt/slides/slide24.xml><?xml version="1.0" encoding="utf-8"?>
+<p:sld xmlns:a="http://schemas.openxmlformats.org/drawingml/2006/main" xmlns:r="http://schemas.openxmlformats.org/officeDocument/2006/relationships" xmlns:p="http://schemas.openxmlformats.org/presentationml/2006/main">
+  <p:cSld>
+    <p:spTree>
+      <p:nvGrpSpPr>
+        <p:cNvPr id="1" name=""/>
+        <p:cNvGrpSpPr/>
+        <p:nvPr/>
+      </p:nvGrpSpPr>
+      <p:grpSpPr>
+        <a:xfrm>
+          <a:off x="0" y="0"/>
+          <a:ext cx="0" cy="0"/>
+          <a:chOff x="0" y="0"/>
+          <a:chExt cx="0" cy="0"/>
+        </a:xfrm>
+      </p:grpSpPr>
+      <p:sp>
+        <p:nvSpPr>
+          <p:cNvPr id="2" name="Title 1"/>
+          <p:cNvSpPr>
+            <a:spLocks noGrp="1"/>
+          </p:cNvSpPr>
+          <p:nvPr>
+            <p:ph type="title"/>
+          </p:nvPr>
+        </p:nvSpPr>
+        <p:spPr/>
+        <p:txBody>
+          <a:bodyPr>
+            <a:normAutofit fontScale="90000"/>
+          </a:bodyPr>
+          <a:lstStyle/>
+          <a:p>
+            <a:r>
+              <a:rPr lang="en-US" b="1" dirty="0" smtClean="0"/>
+              <a:t>Step 3- Choosing Representation for Target function:</a:t>
+            </a:r>
+            <a:endParaRPr lang="en-US" dirty="0"/>
+          </a:p>
+        </p:txBody>
+      </p:sp>
+      <p:sp>
+        <p:nvSpPr>
+          <p:cNvPr id="3" name="Content Placeholder 2"/>
+          <p:cNvSpPr>
+            <a:spLocks noGrp="1"/>
+          </p:cNvSpPr>
+          <p:nvPr>
+            <p:ph idx="1"/>
+          </p:nvPr>
+        </p:nvSpPr>
+        <p:spPr/>
+        <p:txBody>
+          <a:bodyPr>
+            <a:normAutofit fontScale="92500" lnSpcReduction="20000"/>
+          </a:bodyPr>
+          <a:lstStyle/>
+          <a:p>
+            <a:r>
+              <a:rPr lang="en-US" dirty="0" smtClean="0"/>
+              <a:t>When the machine algorithm will know all the possible legal moves the next step is to choose the optimized move using any representation i.e. using linear Equations, Hierarchical Graph Representation, Tabular form etc. </a:t>
+            </a:r>
+            <a:endParaRPr lang="en-US" dirty="0" smtClean="0"/>
+          </a:p>
+          <a:p>
+            <a:r>
+              <a:rPr lang="en-US" dirty="0" smtClean="0"/>
+              <a:t>The </a:t>
+            </a:r>
+            <a:r>
+              <a:rPr lang="en-US" dirty="0" err="1" smtClean="0"/>
+              <a:t>NextMove</a:t>
+            </a:r>
+            <a:r>
+              <a:rPr lang="en-US" dirty="0" smtClean="0"/>
+              <a:t> function will move the Target move like out of these move which will provide more success rate. For Example : while playing chess machine have 4 possible moves, so the machine will choose that optimized move which will provide success to it.</a:t>
+            </a:r>
+            <a:endParaRPr lang="en-US" dirty="0"/>
+          </a:p>
+        </p:txBody>
+      </p:sp>
+    </p:spTree>
+  </p:cSld>
+  <p:clrMapOvr>
+    <a:masterClrMapping/>
+  </p:clrMapOvr>
+</p:sld>
+</file>
+
+<file path=ppt/slides/slide25.xml><?xml version="1.0" encoding="utf-8"?>
+<p:sld xmlns:a="http://schemas.openxmlformats.org/drawingml/2006/main" xmlns:r="http://schemas.openxmlformats.org/officeDocument/2006/relationships" xmlns:p="http://schemas.openxmlformats.org/presentationml/2006/main">
+  <p:cSld>
+    <p:spTree>
+      <p:nvGrpSpPr>
+        <p:cNvPr id="1" name=""/>
+        <p:cNvGrpSpPr/>
+        <p:nvPr/>
+      </p:nvGrpSpPr>
+      <p:grpSpPr>
+        <a:xfrm>
+          <a:off x="0" y="0"/>
+          <a:ext cx="0" cy="0"/>
+          <a:chOff x="0" y="0"/>
+          <a:chExt cx="0" cy="0"/>
+        </a:xfrm>
+      </p:grpSpPr>
+      <p:sp>
+        <p:nvSpPr>
+          <p:cNvPr id="2" name="Title 1"/>
+          <p:cNvSpPr>
+            <a:spLocks noGrp="1"/>
+          </p:cNvSpPr>
+          <p:nvPr>
+            <p:ph type="title"/>
+          </p:nvPr>
+        </p:nvSpPr>
+        <p:spPr/>
+        <p:txBody>
+          <a:bodyPr>
+            <a:normAutofit fontScale="90000"/>
+          </a:bodyPr>
+          <a:lstStyle/>
+          <a:p>
+            <a:r>
+              <a:rPr lang="en-US" b="1" dirty="0" smtClean="0"/>
+              <a:t>Step 3- Choosing Representation for Target function</a:t>
+            </a:r>
+            <a:r>
+              <a:rPr lang="en-US" b="1" dirty="0" smtClean="0"/>
+              <a:t>:	</a:t>
+            </a:r>
+            <a:endParaRPr lang="en-US" dirty="0"/>
+          </a:p>
+        </p:txBody>
+      </p:sp>
+      <p:pic>
+        <p:nvPicPr>
+          <p:cNvPr id="31746" name="Picture 2"/>
+          <p:cNvPicPr>
+            <a:picLocks noGrp="1" noChangeAspect="1" noChangeArrowheads="1"/>
+          </p:cNvPicPr>
+          <p:nvPr>
+            <p:ph idx="1"/>
+          </p:nvPr>
+        </p:nvPicPr>
+        <p:blipFill>
+          <a:blip r:embed="rId2"/>
+          <a:srcRect/>
+          <a:stretch>
+            <a:fillRect/>
+          </a:stretch>
+        </p:blipFill>
+        <p:spPr bwMode="auto">
+          <a:xfrm>
+            <a:off x="571472" y="1357298"/>
+            <a:ext cx="7500990" cy="5500701"/>
+          </a:xfrm>
+          <a:prstGeom prst="rect">
+            <a:avLst/>
+          </a:prstGeom>
+          <a:noFill/>
+          <a:ln w="9525">
+            <a:noFill/>
+            <a:miter lim="800000"/>
+            <a:headEnd/>
+            <a:tailEnd/>
+          </a:ln>
+          <a:effectLst/>
+        </p:spPr>
+      </p:pic>
+    </p:spTree>
+  </p:cSld>
+  <p:clrMapOvr>
+    <a:masterClrMapping/>
+  </p:clrMapOvr>
+</p:sld>
+</file>
+
+<file path=ppt/slides/slide26.xml><?xml version="1.0" encoding="utf-8"?>
+<p:sld xmlns:a="http://schemas.openxmlformats.org/drawingml/2006/main" xmlns:r="http://schemas.openxmlformats.org/officeDocument/2006/relationships" xmlns:p="http://schemas.openxmlformats.org/presentationml/2006/main">
+  <p:cSld>
+    <p:spTree>
+      <p:nvGrpSpPr>
+        <p:cNvPr id="1" name=""/>
+        <p:cNvGrpSpPr/>
+        <p:nvPr/>
+      </p:nvGrpSpPr>
+      <p:grpSpPr>
+        <a:xfrm>
+          <a:off x="0" y="0"/>
+          <a:ext cx="0" cy="0"/>
+          <a:chOff x="0" y="0"/>
+          <a:chExt cx="0" cy="0"/>
+        </a:xfrm>
+      </p:grpSpPr>
+      <p:sp>
+        <p:nvSpPr>
+          <p:cNvPr id="2" name="Title 1"/>
+          <p:cNvSpPr>
+            <a:spLocks noGrp="1"/>
+          </p:cNvSpPr>
+          <p:nvPr>
+            <p:ph type="title"/>
+          </p:nvPr>
+        </p:nvSpPr>
+        <p:spPr/>
+        <p:txBody>
+          <a:bodyPr>
+            <a:normAutofit fontScale="90000"/>
+          </a:bodyPr>
+          <a:lstStyle/>
+          <a:p>
+            <a:r>
+              <a:rPr lang="en-US" b="1" dirty="0" smtClean="0"/>
+              <a:t>Step 4- Choosing Function Approximation Algorithm: </a:t>
+            </a:r>
+            <a:endParaRPr lang="en-US" dirty="0"/>
+          </a:p>
+        </p:txBody>
+      </p:sp>
+      <p:sp>
+        <p:nvSpPr>
+          <p:cNvPr id="3" name="Content Placeholder 2"/>
+          <p:cNvSpPr>
+            <a:spLocks noGrp="1"/>
+          </p:cNvSpPr>
+          <p:nvPr>
+            <p:ph idx="1"/>
+          </p:nvPr>
+        </p:nvSpPr>
+        <p:spPr/>
+        <p:txBody>
           <a:bodyPr/>
           <a:lstStyle/>
           <a:p>
             <a:r>
               <a:rPr lang="en-US" dirty="0" smtClean="0"/>
-              <a:t>The next design choice is to determine exactly what type of knowledge will be learned and how this will be used by the performance program.</a:t>
-            </a:r>
+              <a:t>An optimized move cannot be chosen just with the training data. The training data had to go through with set of example and through these examples the training data will approximates which steps are chosen and after that machine will provide feedback on it.</a:t>
+            </a:r>
+            <a:endParaRPr lang="en-US" dirty="0"/>
+          </a:p>
+        </p:txBody>
+      </p:sp>
+    </p:spTree>
+  </p:cSld>
+  <p:clrMapOvr>
+    <a:masterClrMapping/>
+  </p:clrMapOvr>
+</p:sld>
+</file>
+
+<file path=ppt/slides/slide27.xml><?xml version="1.0" encoding="utf-8"?>
+<p:sld xmlns:a="http://schemas.openxmlformats.org/drawingml/2006/main" xmlns:r="http://schemas.openxmlformats.org/officeDocument/2006/relationships" xmlns:p="http://schemas.openxmlformats.org/presentationml/2006/main">
+  <p:cSld>
+    <p:spTree>
+      <p:nvGrpSpPr>
+        <p:cNvPr id="1" name=""/>
+        <p:cNvGrpSpPr/>
+        <p:nvPr/>
+      </p:nvGrpSpPr>
+      <p:grpSpPr>
+        <a:xfrm>
+          <a:off x="0" y="0"/>
+          <a:ext cx="0" cy="0"/>
+          <a:chOff x="0" y="0"/>
+          <a:chExt cx="0" cy="0"/>
+        </a:xfrm>
+      </p:grpSpPr>
+      <p:sp>
+        <p:nvSpPr>
+          <p:cNvPr id="2" name="Title 1"/>
+          <p:cNvSpPr>
+            <a:spLocks noGrp="1"/>
+          </p:cNvSpPr>
+          <p:nvPr>
+            <p:ph type="title"/>
+          </p:nvPr>
+        </p:nvSpPr>
+        <p:spPr/>
+        <p:txBody>
+          <a:bodyPr>
+            <a:normAutofit fontScale="90000"/>
+          </a:bodyPr>
+          <a:lstStyle/>
+          <a:p>
+            <a:r>
+              <a:rPr lang="en-US" b="1" dirty="0" smtClean="0"/>
+              <a:t>Step 4- Choosing Function Approximation Algorithm: </a:t>
+            </a:r>
+            <a:endParaRPr lang="en-US" dirty="0"/>
+          </a:p>
+        </p:txBody>
+      </p:sp>
+      <p:sp>
+        <p:nvSpPr>
+          <p:cNvPr id="3" name="Content Placeholder 2"/>
+          <p:cNvSpPr>
+            <a:spLocks noGrp="1"/>
+          </p:cNvSpPr>
+          <p:nvPr>
+            <p:ph idx="1"/>
+          </p:nvPr>
+        </p:nvSpPr>
+        <p:spPr>
+          <a:xfrm>
+            <a:off x="457200" y="1600201"/>
+            <a:ext cx="8229600" cy="685791"/>
+          </a:xfrm>
+        </p:spPr>
+        <p:txBody>
+          <a:bodyPr/>
+          <a:lstStyle/>
+          <a:p>
+            <a:r>
+              <a:rPr lang="en-US" dirty="0" smtClean="0"/>
+              <a:t>4.1 </a:t>
+            </a:r>
+            <a:r>
+              <a:rPr lang="en-US" dirty="0" smtClean="0"/>
+              <a:t>ESTIMATING </a:t>
+            </a:r>
+            <a:r>
+              <a:rPr lang="en-US" dirty="0" smtClean="0"/>
+              <a:t>TRAINING </a:t>
+            </a:r>
+            <a:r>
+              <a:rPr lang="en-US" dirty="0" smtClean="0"/>
+              <a:t>VALUES</a:t>
+            </a:r>
+          </a:p>
+          <a:p>
+            <a:endParaRPr lang="en-US" dirty="0"/>
+          </a:p>
+        </p:txBody>
+      </p:sp>
+      <p:pic>
+        <p:nvPicPr>
+          <p:cNvPr id="32771" name="Picture 3"/>
+          <p:cNvPicPr>
+            <a:picLocks noChangeAspect="1" noChangeArrowheads="1"/>
+          </p:cNvPicPr>
+          <p:nvPr/>
+        </p:nvPicPr>
+        <p:blipFill>
+          <a:blip r:embed="rId3"/>
+          <a:srcRect/>
+          <a:stretch>
+            <a:fillRect/>
+          </a:stretch>
+        </p:blipFill>
+        <p:spPr bwMode="auto">
+          <a:xfrm>
+            <a:off x="2366963" y="2285992"/>
+            <a:ext cx="4410075" cy="2928958"/>
+          </a:xfrm>
+          <a:prstGeom prst="rect">
+            <a:avLst/>
+          </a:prstGeom>
+          <a:noFill/>
+          <a:ln w="9525">
+            <a:noFill/>
+            <a:miter lim="800000"/>
+            <a:headEnd/>
+            <a:tailEnd/>
+          </a:ln>
+          <a:effectLst/>
+        </p:spPr>
+      </p:pic>
+    </p:spTree>
+  </p:cSld>
+  <p:clrMapOvr>
+    <a:masterClrMapping/>
+  </p:clrMapOvr>
+</p:sld>
+</file>
+
+<file path=ppt/slides/slide28.xml><?xml version="1.0" encoding="utf-8"?>
+<p:sld xmlns:a="http://schemas.openxmlformats.org/drawingml/2006/main" xmlns:r="http://schemas.openxmlformats.org/officeDocument/2006/relationships" xmlns:p="http://schemas.openxmlformats.org/presentationml/2006/main">
+  <p:cSld>
+    <p:spTree>
+      <p:nvGrpSpPr>
+        <p:cNvPr id="1" name=""/>
+        <p:cNvGrpSpPr/>
+        <p:nvPr/>
+      </p:nvGrpSpPr>
+      <p:grpSpPr>
+        <a:xfrm>
+          <a:off x="0" y="0"/>
+          <a:ext cx="0" cy="0"/>
+          <a:chOff x="0" y="0"/>
+          <a:chExt cx="0" cy="0"/>
+        </a:xfrm>
+      </p:grpSpPr>
+      <p:sp>
+        <p:nvSpPr>
+          <p:cNvPr id="2" name="Title 1"/>
+          <p:cNvSpPr>
+            <a:spLocks noGrp="1"/>
+          </p:cNvSpPr>
+          <p:nvPr>
+            <p:ph type="title"/>
+          </p:nvPr>
+        </p:nvSpPr>
+        <p:spPr/>
+        <p:txBody>
+          <a:bodyPr>
+            <a:normAutofit fontScale="90000"/>
+          </a:bodyPr>
+          <a:lstStyle/>
+          <a:p>
+            <a:r>
+              <a:rPr lang="en-US" b="1" dirty="0" smtClean="0"/>
+              <a:t>Step 4- Choosing Function Approximation Algorithm: </a:t>
+            </a:r>
+            <a:endParaRPr lang="en-US" dirty="0"/>
+          </a:p>
+        </p:txBody>
+      </p:sp>
+      <p:sp>
+        <p:nvSpPr>
+          <p:cNvPr id="3" name="Content Placeholder 2"/>
+          <p:cNvSpPr>
+            <a:spLocks noGrp="1"/>
+          </p:cNvSpPr>
+          <p:nvPr>
+            <p:ph idx="1"/>
+          </p:nvPr>
+        </p:nvSpPr>
+        <p:spPr>
+          <a:xfrm>
+            <a:off x="457200" y="1600201"/>
+            <a:ext cx="8229600" cy="1400171"/>
+          </a:xfrm>
+        </p:spPr>
+        <p:txBody>
+          <a:bodyPr/>
+          <a:lstStyle/>
+          <a:p>
+            <a:r>
+              <a:rPr lang="en-US" dirty="0" smtClean="0"/>
+              <a:t>4.2 ADJUSTING </a:t>
+            </a:r>
+            <a:r>
+              <a:rPr lang="en-US" dirty="0" smtClean="0"/>
+              <a:t>THE </a:t>
+            </a:r>
+            <a:r>
+              <a:rPr lang="en-US" dirty="0" smtClean="0"/>
+              <a:t>WEIGHTS</a:t>
+            </a:r>
+          </a:p>
+          <a:p>
+            <a:r>
+              <a:rPr lang="en-US" dirty="0" smtClean="0"/>
+              <a:t> </a:t>
+            </a:r>
+            <a:endParaRPr lang="en-US" dirty="0"/>
+          </a:p>
+        </p:txBody>
+      </p:sp>
+      <p:pic>
+        <p:nvPicPr>
+          <p:cNvPr id="33795" name="Picture 3"/>
+          <p:cNvPicPr>
+            <a:picLocks noChangeAspect="1" noChangeArrowheads="1"/>
+          </p:cNvPicPr>
+          <p:nvPr/>
+        </p:nvPicPr>
+        <p:blipFill>
+          <a:blip r:embed="rId2"/>
+          <a:srcRect/>
+          <a:stretch>
+            <a:fillRect/>
+          </a:stretch>
+        </p:blipFill>
+        <p:spPr bwMode="auto">
+          <a:xfrm>
+            <a:off x="2414588" y="2571744"/>
+            <a:ext cx="4314825" cy="3143272"/>
+          </a:xfrm>
+          <a:prstGeom prst="rect">
+            <a:avLst/>
+          </a:prstGeom>
+          <a:noFill/>
+          <a:ln w="9525">
+            <a:noFill/>
+            <a:miter lim="800000"/>
+            <a:headEnd/>
+            <a:tailEnd/>
+          </a:ln>
+          <a:effectLst/>
+        </p:spPr>
+      </p:pic>
+    </p:spTree>
+  </p:cSld>
+  <p:clrMapOvr>
+    <a:masterClrMapping/>
+  </p:clrMapOvr>
+</p:sld>
+</file>
+
+<file path=ppt/slides/slide29.xml><?xml version="1.0" encoding="utf-8"?>
+<p:sld xmlns:a="http://schemas.openxmlformats.org/drawingml/2006/main" xmlns:r="http://schemas.openxmlformats.org/officeDocument/2006/relationships" xmlns:p="http://schemas.openxmlformats.org/presentationml/2006/main">
+  <p:cSld>
+    <p:spTree>
+      <p:nvGrpSpPr>
+        <p:cNvPr id="1" name=""/>
+        <p:cNvGrpSpPr/>
+        <p:nvPr/>
+      </p:nvGrpSpPr>
+      <p:grpSpPr>
+        <a:xfrm>
+          <a:off x="0" y="0"/>
+          <a:ext cx="0" cy="0"/>
+          <a:chOff x="0" y="0"/>
+          <a:chExt cx="0" cy="0"/>
+        </a:xfrm>
+      </p:grpSpPr>
+      <p:sp>
+        <p:nvSpPr>
+          <p:cNvPr id="2" name="Title 1"/>
+          <p:cNvSpPr>
+            <a:spLocks noGrp="1"/>
+          </p:cNvSpPr>
+          <p:nvPr>
+            <p:ph type="title"/>
+          </p:nvPr>
+        </p:nvSpPr>
+        <p:spPr/>
+        <p:txBody>
+          <a:bodyPr>
+            <a:normAutofit fontScale="90000"/>
+          </a:bodyPr>
+          <a:lstStyle/>
+          <a:p>
+            <a:r>
+              <a:rPr lang="en-US" dirty="0" smtClean="0"/>
+              <a:t>5. The </a:t>
+            </a:r>
+            <a:r>
+              <a:rPr lang="en-US" dirty="0" smtClean="0"/>
+              <a:t>Final Design</a:t>
+            </a:r>
+            <a:br>
+              <a:rPr lang="en-US" dirty="0" smtClean="0"/>
+            </a:br>
+            <a:endParaRPr lang="en-US" dirty="0"/>
+          </a:p>
+        </p:txBody>
+      </p:sp>
+      <p:sp>
+        <p:nvSpPr>
+          <p:cNvPr id="3" name="Content Placeholder 2"/>
+          <p:cNvSpPr>
+            <a:spLocks noGrp="1"/>
+          </p:cNvSpPr>
+          <p:nvPr>
+            <p:ph idx="1"/>
+          </p:nvPr>
+        </p:nvSpPr>
+        <p:spPr/>
+        <p:txBody>
+          <a:bodyPr/>
+          <a:lstStyle/>
+          <a:p>
             <a:endParaRPr lang="en-US" dirty="0"/>
           </a:p>
         </p:txBody>
@@ -12927,4 +14202,287 @@
   <a:objectDefaults/>
   <a:extraClrSchemeLst/>
 </a:theme>
+</file>
+
+<file path=ppt/theme/theme4.xml><?xml version="1.0" encoding="utf-8"?>
+<a:theme xmlns:a="http://schemas.openxmlformats.org/drawingml/2006/main" name="Office Theme">
+  <a:themeElements>
+    <a:clrScheme name="Office">
+      <a:dk1>
+        <a:sysClr val="windowText" lastClr="000000"/>
+      </a:dk1>
+      <a:lt1>
+        <a:sysClr val="window" lastClr="FFFFFF"/>
+      </a:lt1>
+      <a:dk2>
+        <a:srgbClr val="1F497D"/>
+      </a:dk2>
+      <a:lt2>
+        <a:srgbClr val="EEECE1"/>
+      </a:lt2>
+      <a:accent1>
+        <a:srgbClr val="4F81BD"/>
+      </a:accent1>
+      <a:accent2>
+        <a:srgbClr val="C0504D"/>
+      </a:accent2>
+      <a:accent3>
+        <a:srgbClr val="9BBB59"/>
+      </a:accent3>
+      <a:accent4>
+        <a:srgbClr val="8064A2"/>
+      </a:accent4>
+      <a:accent5>
+        <a:srgbClr val="4BACC6"/>
+      </a:accent5>
+      <a:accent6>
+        <a:srgbClr val="F79646"/>
+      </a:accent6>
+      <a:hlink>
+        <a:srgbClr val="0000FF"/>
+      </a:hlink>
+      <a:folHlink>
+        <a:srgbClr val="800080"/>
+      </a:folHlink>
+    </a:clrScheme>
+    <a:fontScheme name="Office">
+      <a:majorFont>
+        <a:latin typeface="Calibri"/>
+        <a:ea typeface=""/>
+        <a:cs typeface=""/>
+        <a:font script="Jpan" typeface="ＭＳ Ｐゴシック"/>
+        <a:font script="Hang" typeface="맑은 고딕"/>
+        <a:font script="Hans" typeface="宋体"/>
+        <a:font script="Hant" typeface="新細明體"/>
+        <a:font script="Arab" typeface="Times New Roman"/>
+        <a:font script="Hebr" typeface="Times New Roman"/>
+        <a:font script="Thai" typeface="Angsana New"/>
+        <a:font script="Ethi" typeface="Nyala"/>
+        <a:font script="Beng" typeface="Vrinda"/>
+        <a:font script="Gujr" typeface="Shruti"/>
+        <a:font script="Khmr" typeface="MoolBoran"/>
+        <a:font script="Knda" typeface="Tunga"/>
+        <a:font script="Guru" typeface="Raavi"/>
+        <a:font script="Cans" typeface="Euphemia"/>
+        <a:font script="Cher" typeface="Plantagenet Cherokee"/>
+        <a:font script="Yiii" typeface="Microsoft Yi Baiti"/>
+        <a:font script="Tibt" typeface="Microsoft Himalaya"/>
+        <a:font script="Thaa" typeface="MV Boli"/>
+        <a:font script="Deva" typeface="Mangal"/>
+        <a:font script="Telu" typeface="Gautami"/>
+        <a:font script="Taml" typeface="Latha"/>
+        <a:font script="Syrc" typeface="Estrangelo Edessa"/>
+        <a:font script="Orya" typeface="Kalinga"/>
+        <a:font script="Mlym" typeface="Kartika"/>
+        <a:font script="Laoo" typeface="DokChampa"/>
+        <a:font script="Sinh" typeface="Iskoola Pota"/>
+        <a:font script="Mong" typeface="Mongolian Baiti"/>
+        <a:font script="Viet" typeface="Times New Roman"/>
+        <a:font script="Uigh" typeface="Microsoft Uighur"/>
+      </a:majorFont>
+      <a:minorFont>
+        <a:latin typeface="Calibri"/>
+        <a:ea typeface=""/>
+        <a:cs typeface=""/>
+        <a:font script="Jpan" typeface="ＭＳ Ｐゴシック"/>
+        <a:font script="Hang" typeface="맑은 고딕"/>
+        <a:font script="Hans" typeface="宋体"/>
+        <a:font script="Hant" typeface="新細明體"/>
+        <a:font script="Arab" typeface="Arial"/>
+        <a:font script="Hebr" typeface="Arial"/>
+        <a:font script="Thai" typeface="Cordia New"/>
+        <a:font script="Ethi" typeface="Nyala"/>
+        <a:font script="Beng" typeface="Vrinda"/>
+        <a:font script="Gujr" typeface="Shruti"/>
+        <a:font script="Khmr" typeface="DaunPenh"/>
+        <a:font script="Knda" typeface="Tunga"/>
+        <a:font script="Guru" typeface="Raavi"/>
+        <a:font script="Cans" typeface="Euphemia"/>
+        <a:font script="Cher" typeface="Plantagenet Cherokee"/>
+        <a:font script="Yiii" typeface="Microsoft Yi Baiti"/>
+        <a:font script="Tibt" typeface="Microsoft Himalaya"/>
+        <a:font script="Thaa" typeface="MV Boli"/>
+        <a:font script="Deva" typeface="Mangal"/>
+        <a:font script="Telu" typeface="Gautami"/>
+        <a:font script="Taml" typeface="Latha"/>
+        <a:font script="Syrc" typeface="Estrangelo Edessa"/>
+        <a:font script="Orya" typeface="Kalinga"/>
+        <a:font script="Mlym" typeface="Kartika"/>
+        <a:font script="Laoo" typeface="DokChampa"/>
+        <a:font script="Sinh" typeface="Iskoola Pota"/>
+        <a:font script="Mong" typeface="Mongolian Baiti"/>
+        <a:font script="Viet" typeface="Arial"/>
+        <a:font script="Uigh" typeface="Microsoft Uighur"/>
+      </a:minorFont>
+    </a:fontScheme>
+    <a:fmtScheme name="Office">
+      <a:fillStyleLst>
+        <a:solidFill>
+          <a:schemeClr val="phClr"/>
+        </a:solidFill>
+        <a:gradFill rotWithShape="1">
+          <a:gsLst>
+            <a:gs pos="0">
+              <a:schemeClr val="phClr">
+                <a:tint val="50000"/>
+                <a:satMod val="300000"/>
+              </a:schemeClr>
+            </a:gs>
+            <a:gs pos="35000">
+              <a:schemeClr val="phClr">
+                <a:tint val="37000"/>
+                <a:satMod val="300000"/>
+              </a:schemeClr>
+            </a:gs>
+            <a:gs pos="100000">
+              <a:schemeClr val="phClr">
+                <a:tint val="15000"/>
+                <a:satMod val="350000"/>
+              </a:schemeClr>
+            </a:gs>
+          </a:gsLst>
+          <a:lin ang="16200000" scaled="1"/>
+        </a:gradFill>
+        <a:gradFill rotWithShape="1">
+          <a:gsLst>
+            <a:gs pos="0">
+              <a:schemeClr val="phClr">
+                <a:shade val="51000"/>
+                <a:satMod val="130000"/>
+              </a:schemeClr>
+            </a:gs>
+            <a:gs pos="80000">
+              <a:schemeClr val="phClr">
+                <a:shade val="93000"/>
+                <a:satMod val="130000"/>
+              </a:schemeClr>
+            </a:gs>
+            <a:gs pos="100000">
+              <a:schemeClr val="phClr">
+                <a:shade val="94000"/>
+                <a:satMod val="135000"/>
+              </a:schemeClr>
+            </a:gs>
+          </a:gsLst>
+          <a:lin ang="16200000" scaled="0"/>
+        </a:gradFill>
+      </a:fillStyleLst>
+      <a:lnStyleLst>
+        <a:ln w="9525" cap="flat" cmpd="sng" algn="ctr">
+          <a:solidFill>
+            <a:schemeClr val="phClr">
+              <a:shade val="95000"/>
+              <a:satMod val="105000"/>
+            </a:schemeClr>
+          </a:solidFill>
+          <a:prstDash val="solid"/>
+        </a:ln>
+        <a:ln w="25400" cap="flat" cmpd="sng" algn="ctr">
+          <a:solidFill>
+            <a:schemeClr val="phClr"/>
+          </a:solidFill>
+          <a:prstDash val="solid"/>
+        </a:ln>
+        <a:ln w="38100" cap="flat" cmpd="sng" algn="ctr">
+          <a:solidFill>
+            <a:schemeClr val="phClr"/>
+          </a:solidFill>
+          <a:prstDash val="solid"/>
+        </a:ln>
+      </a:lnStyleLst>
+      <a:effectStyleLst>
+        <a:effectStyle>
+          <a:effectLst>
+            <a:outerShdw blurRad="40000" dist="20000" dir="5400000" rotWithShape="0">
+              <a:srgbClr val="000000">
+                <a:alpha val="38000"/>
+              </a:srgbClr>
+            </a:outerShdw>
+          </a:effectLst>
+        </a:effectStyle>
+        <a:effectStyle>
+          <a:effectLst>
+            <a:outerShdw blurRad="40000" dist="23000" dir="5400000" rotWithShape="0">
+              <a:srgbClr val="000000">
+                <a:alpha val="35000"/>
+              </a:srgbClr>
+            </a:outerShdw>
+          </a:effectLst>
+        </a:effectStyle>
+        <a:effectStyle>
+          <a:effectLst>
+            <a:outerShdw blurRad="40000" dist="23000" dir="5400000" rotWithShape="0">
+              <a:srgbClr val="000000">
+                <a:alpha val="35000"/>
+              </a:srgbClr>
+            </a:outerShdw>
+          </a:effectLst>
+          <a:scene3d>
+            <a:camera prst="orthographicFront">
+              <a:rot lat="0" lon="0" rev="0"/>
+            </a:camera>
+            <a:lightRig rig="threePt" dir="t">
+              <a:rot lat="0" lon="0" rev="1200000"/>
+            </a:lightRig>
+          </a:scene3d>
+          <a:sp3d>
+            <a:bevelT w="63500" h="25400"/>
+          </a:sp3d>
+        </a:effectStyle>
+      </a:effectStyleLst>
+      <a:bgFillStyleLst>
+        <a:solidFill>
+          <a:schemeClr val="phClr"/>
+        </a:solidFill>
+        <a:gradFill rotWithShape="1">
+          <a:gsLst>
+            <a:gs pos="0">
+              <a:schemeClr val="phClr">
+                <a:tint val="40000"/>
+                <a:satMod val="350000"/>
+              </a:schemeClr>
+            </a:gs>
+            <a:gs pos="40000">
+              <a:schemeClr val="phClr">
+                <a:tint val="45000"/>
+                <a:shade val="99000"/>
+                <a:satMod val="350000"/>
+              </a:schemeClr>
+            </a:gs>
+            <a:gs pos="100000">
+              <a:schemeClr val="phClr">
+                <a:shade val="20000"/>
+                <a:satMod val="255000"/>
+              </a:schemeClr>
+            </a:gs>
+          </a:gsLst>
+          <a:path path="circle">
+            <a:fillToRect l="50000" t="-80000" r="50000" b="180000"/>
+          </a:path>
+        </a:gradFill>
+        <a:gradFill rotWithShape="1">
+          <a:gsLst>
+            <a:gs pos="0">
+              <a:schemeClr val="phClr">
+                <a:tint val="80000"/>
+                <a:satMod val="300000"/>
+              </a:schemeClr>
+            </a:gs>
+            <a:gs pos="100000">
+              <a:schemeClr val="phClr">
+                <a:shade val="30000"/>
+                <a:satMod val="200000"/>
+              </a:schemeClr>
+            </a:gs>
+          </a:gsLst>
+          <a:path path="circle">
+            <a:fillToRect l="50000" t="50000" r="50000" b="50000"/>
+          </a:path>
+        </a:gradFill>
+      </a:bgFillStyleLst>
+    </a:fmtScheme>
+  </a:themeElements>
+  <a:objectDefaults/>
+  <a:extraClrSchemeLst/>
+</a:theme>
 </file>
--- a/Unit-4.pptx
+++ b/Unit-4.pptx
@@ -7,7 +7,7 @@
     <p:sldMasterId id="2147483666" r:id="rId3"/>
   </p:sldMasterIdLst>
   <p:notesMasterIdLst>
-    <p:notesMasterId r:id="rId33"/>
+    <p:notesMasterId r:id="rId49"/>
   </p:notesMasterIdLst>
   <p:sldIdLst>
     <p:sldId id="256" r:id="rId4"/>
@@ -29,16 +29,32 @@
     <p:sldId id="262" r:id="rId20"/>
     <p:sldId id="264" r:id="rId21"/>
     <p:sldId id="291" r:id="rId22"/>
-    <p:sldId id="265" r:id="rId23"/>
-    <p:sldId id="294" r:id="rId24"/>
-    <p:sldId id="266" r:id="rId25"/>
-    <p:sldId id="267" r:id="rId26"/>
-    <p:sldId id="293" r:id="rId27"/>
-    <p:sldId id="295" r:id="rId28"/>
-    <p:sldId id="296" r:id="rId29"/>
-    <p:sldId id="297" r:id="rId30"/>
-    <p:sldId id="298" r:id="rId31"/>
-    <p:sldId id="299" r:id="rId32"/>
+    <p:sldId id="300" r:id="rId23"/>
+    <p:sldId id="265" r:id="rId24"/>
+    <p:sldId id="301" r:id="rId25"/>
+    <p:sldId id="302" r:id="rId26"/>
+    <p:sldId id="303" r:id="rId27"/>
+    <p:sldId id="266" r:id="rId28"/>
+    <p:sldId id="267" r:id="rId29"/>
+    <p:sldId id="304" r:id="rId30"/>
+    <p:sldId id="305" r:id="rId31"/>
+    <p:sldId id="306" r:id="rId32"/>
+    <p:sldId id="307" r:id="rId33"/>
+    <p:sldId id="308" r:id="rId34"/>
+    <p:sldId id="293" r:id="rId35"/>
+    <p:sldId id="295" r:id="rId36"/>
+    <p:sldId id="309" r:id="rId37"/>
+    <p:sldId id="296" r:id="rId38"/>
+    <p:sldId id="317" r:id="rId39"/>
+    <p:sldId id="310" r:id="rId40"/>
+    <p:sldId id="297" r:id="rId41"/>
+    <p:sldId id="298" r:id="rId42"/>
+    <p:sldId id="299" r:id="rId43"/>
+    <p:sldId id="312" r:id="rId44"/>
+    <p:sldId id="313" r:id="rId45"/>
+    <p:sldId id="314" r:id="rId46"/>
+    <p:sldId id="315" r:id="rId47"/>
+    <p:sldId id="316" r:id="rId48"/>
   </p:sldIdLst>
   <p:sldSz cx="9144000" cy="6858000" type="screen4x3"/>
   <p:notesSz cx="6858000" cy="9144000"/>
@@ -222,7 +238,8 @@
           <a:p>
             <a:fld id="{064A3F41-4145-4356-B610-58F1244BF489}" type="datetimeFigureOut">
               <a:rPr lang="en-US" smtClean="0"/>
-              <a:t>4/17/2023</a:t>
+              <a:pPr/>
+              <a:t>4/21/2023</a:t>
             </a:fld>
             <a:endParaRPr lang="en-US"/>
           </a:p>
@@ -383,6 +400,7 @@
           <a:p>
             <a:fld id="{FC37044B-A6A5-45BA-A38A-36A506D55C5D}" type="slidenum">
               <a:rPr lang="en-US" smtClean="0"/>
+              <a:pPr/>
               <a:t>‹#›</a:t>
             </a:fld>
             <a:endParaRPr lang="en-US"/>
@@ -554,7 +572,8 @@
           <a:p>
             <a:fld id="{FC37044B-A6A5-45BA-A38A-36A506D55C5D}" type="slidenum">
               <a:rPr lang="en-US" smtClean="0"/>
-              <a:t>27</a:t>
+              <a:pPr/>
+              <a:t>38</a:t>
             </a:fld>
             <a:endParaRPr lang="en-US"/>
           </a:p>
@@ -750,7 +769,7 @@
             <a:fld id="{0FFF060D-9074-4E91-881B-BF5ED66F40E3}" type="datetimeFigureOut">
               <a:rPr lang="en-US" smtClean="0"/>
               <a:pPr/>
-              <a:t>4/17/2023</a:t>
+              <a:t>4/21/2023</a:t>
             </a:fld>
             <a:endParaRPr lang="en-US"/>
           </a:p>
@@ -917,7 +936,7 @@
             <a:fld id="{0FFF060D-9074-4E91-881B-BF5ED66F40E3}" type="datetimeFigureOut">
               <a:rPr lang="en-US" smtClean="0"/>
               <a:pPr/>
-              <a:t>4/17/2023</a:t>
+              <a:t>4/21/2023</a:t>
             </a:fld>
             <a:endParaRPr lang="en-US"/>
           </a:p>
@@ -1094,7 +1113,7 @@
             <a:fld id="{0FFF060D-9074-4E91-881B-BF5ED66F40E3}" type="datetimeFigureOut">
               <a:rPr lang="en-US" smtClean="0"/>
               <a:pPr/>
-              <a:t>4/17/2023</a:t>
+              <a:t>4/21/2023</a:t>
             </a:fld>
             <a:endParaRPr lang="en-US"/>
           </a:p>
@@ -1371,7 +1390,7 @@
             <a:fld id="{1D8BD707-D9CF-40AE-B4C6-C98DA3205C09}" type="datetimeFigureOut">
               <a:rPr lang="en-US"/>
               <a:pPr/>
-              <a:t>4/17/2023</a:t>
+              <a:t>4/21/2023</a:t>
             </a:fld>
             <a:endParaRPr lang="en-US"/>
           </a:p>
@@ -1554,7 +1573,7 @@
             <a:fld id="{1D8BD707-D9CF-40AE-B4C6-C98DA3205C09}" type="datetimeFigureOut">
               <a:rPr lang="en-US"/>
               <a:pPr/>
-              <a:t>4/17/2023</a:t>
+              <a:t>4/21/2023</a:t>
             </a:fld>
             <a:endParaRPr lang="en-US"/>
           </a:p>
@@ -1774,7 +1793,7 @@
             <a:fld id="{1D8BD707-D9CF-40AE-B4C6-C98DA3205C09}" type="datetimeFigureOut">
               <a:rPr lang="en-US"/>
               <a:pPr/>
-              <a:t>4/17/2023</a:t>
+              <a:t>4/21/2023</a:t>
             </a:fld>
             <a:endParaRPr lang="en-US"/>
           </a:p>
@@ -1928,7 +1947,7 @@
             <a:fld id="{1D8BD707-D9CF-40AE-B4C6-C98DA3205C09}" type="datetimeFigureOut">
               <a:rPr lang="en-US"/>
               <a:pPr/>
-              <a:t>4/17/2023</a:t>
+              <a:t>4/21/2023</a:t>
             </a:fld>
             <a:endParaRPr lang="en-US"/>
           </a:p>
@@ -2053,7 +2072,7 @@
             <a:fld id="{1D8BD707-D9CF-40AE-B4C6-C98DA3205C09}" type="datetimeFigureOut">
               <a:rPr lang="en-US"/>
               <a:pPr/>
-              <a:t>4/17/2023</a:t>
+              <a:t>4/21/2023</a:t>
             </a:fld>
             <a:endParaRPr lang="en-US"/>
           </a:p>
@@ -2324,7 +2343,7 @@
             <a:fld id="{1D8BD707-D9CF-40AE-B4C6-C98DA3205C09}" type="datetimeFigureOut">
               <a:rPr lang="en-US"/>
               <a:pPr/>
-              <a:t>4/17/2023</a:t>
+              <a:t>4/21/2023</a:t>
             </a:fld>
             <a:endParaRPr lang="en-US"/>
           </a:p>
@@ -2507,7 +2526,7 @@
             <a:fld id="{1D8BD707-D9CF-40AE-B4C6-C98DA3205C09}" type="datetimeFigureOut">
               <a:rPr lang="en-US"/>
               <a:pPr/>
-              <a:t>4/17/2023</a:t>
+              <a:t>4/21/2023</a:t>
             </a:fld>
             <a:endParaRPr lang="en-US"/>
           </a:p>
@@ -2727,7 +2746,7 @@
             <a:fld id="{1D8BD707-D9CF-40AE-B4C6-C98DA3205C09}" type="datetimeFigureOut">
               <a:rPr lang="en-US"/>
               <a:pPr/>
-              <a:t>4/17/2023</a:t>
+              <a:t>4/21/2023</a:t>
             </a:fld>
             <a:endParaRPr lang="en-US"/>
           </a:p>
@@ -2888,7 +2907,7 @@
             <a:fld id="{0FFF060D-9074-4E91-881B-BF5ED66F40E3}" type="datetimeFigureOut">
               <a:rPr lang="en-US" smtClean="0"/>
               <a:pPr/>
-              <a:t>4/17/2023</a:t>
+              <a:t>4/21/2023</a:t>
             </a:fld>
             <a:endParaRPr lang="en-US"/>
           </a:p>
@@ -3048,7 +3067,7 @@
             <a:fld id="{1D8BD707-D9CF-40AE-B4C6-C98DA3205C09}" type="datetimeFigureOut">
               <a:rPr lang="en-US"/>
               <a:pPr/>
-              <a:t>4/17/2023</a:t>
+              <a:t>4/21/2023</a:t>
             </a:fld>
             <a:endParaRPr lang="en-US"/>
           </a:p>
@@ -3173,7 +3192,7 @@
             <a:fld id="{1D8BD707-D9CF-40AE-B4C6-C98DA3205C09}" type="datetimeFigureOut">
               <a:rPr lang="en-US"/>
               <a:pPr/>
-              <a:t>4/17/2023</a:t>
+              <a:t>4/21/2023</a:t>
             </a:fld>
             <a:endParaRPr lang="en-US"/>
           </a:p>
@@ -3410,7 +3429,7 @@
             <a:fld id="{0FFF060D-9074-4E91-881B-BF5ED66F40E3}" type="datetimeFigureOut">
               <a:rPr lang="en-US" smtClean="0"/>
               <a:pPr/>
-              <a:t>4/17/2023</a:t>
+              <a:t>4/21/2023</a:t>
             </a:fld>
             <a:endParaRPr lang="en-US"/>
           </a:p>
@@ -3695,7 +3714,7 @@
             <a:fld id="{0FFF060D-9074-4E91-881B-BF5ED66F40E3}" type="datetimeFigureOut">
               <a:rPr lang="en-US" smtClean="0"/>
               <a:pPr/>
-              <a:t>4/17/2023</a:t>
+              <a:t>4/21/2023</a:t>
             </a:fld>
             <a:endParaRPr lang="en-US"/>
           </a:p>
@@ -4114,7 +4133,7 @@
             <a:fld id="{0FFF060D-9074-4E91-881B-BF5ED66F40E3}" type="datetimeFigureOut">
               <a:rPr lang="en-US" smtClean="0"/>
               <a:pPr/>
-              <a:t>4/17/2023</a:t>
+              <a:t>4/21/2023</a:t>
             </a:fld>
             <a:endParaRPr lang="en-US"/>
           </a:p>
@@ -4229,7 +4248,7 @@
             <a:fld id="{0FFF060D-9074-4E91-881B-BF5ED66F40E3}" type="datetimeFigureOut">
               <a:rPr lang="en-US" smtClean="0"/>
               <a:pPr/>
-              <a:t>4/17/2023</a:t>
+              <a:t>4/21/2023</a:t>
             </a:fld>
             <a:endParaRPr lang="en-US"/>
           </a:p>
@@ -4321,7 +4340,7 @@
             <a:fld id="{0FFF060D-9074-4E91-881B-BF5ED66F40E3}" type="datetimeFigureOut">
               <a:rPr lang="en-US" smtClean="0"/>
               <a:pPr/>
-              <a:t>4/17/2023</a:t>
+              <a:t>4/21/2023</a:t>
             </a:fld>
             <a:endParaRPr lang="en-US"/>
           </a:p>
@@ -4595,7 +4614,7 @@
             <a:fld id="{0FFF060D-9074-4E91-881B-BF5ED66F40E3}" type="datetimeFigureOut">
               <a:rPr lang="en-US" smtClean="0"/>
               <a:pPr/>
-              <a:t>4/17/2023</a:t>
+              <a:t>4/21/2023</a:t>
             </a:fld>
             <a:endParaRPr lang="en-US"/>
           </a:p>
@@ -4845,7 +4864,7 @@
             <a:fld id="{0FFF060D-9074-4E91-881B-BF5ED66F40E3}" type="datetimeFigureOut">
               <a:rPr lang="en-US" smtClean="0"/>
               <a:pPr/>
-              <a:t>4/17/2023</a:t>
+              <a:t>4/21/2023</a:t>
             </a:fld>
             <a:endParaRPr lang="en-US"/>
           </a:p>
@@ -5055,7 +5074,7 @@
             <a:fld id="{0FFF060D-9074-4E91-881B-BF5ED66F40E3}" type="datetimeFigureOut">
               <a:rPr lang="en-US" smtClean="0"/>
               <a:pPr/>
-              <a:t>4/17/2023</a:t>
+              <a:t>4/21/2023</a:t>
             </a:fld>
             <a:endParaRPr lang="en-US"/>
           </a:p>
@@ -5611,7 +5630,7 @@
             <a:fld id="{1D8BD707-D9CF-40AE-B4C6-C98DA3205C09}" type="datetimeFigureOut">
               <a:rPr lang="en-US"/>
               <a:pPr/>
-              <a:t>4/17/2023</a:t>
+              <a:t>4/21/2023</a:t>
             </a:fld>
             <a:endParaRPr lang="en-US"/>
           </a:p>
@@ -6020,7 +6039,7 @@
             <a:fld id="{1D8BD707-D9CF-40AE-B4C6-C98DA3205C09}" type="datetimeFigureOut">
               <a:rPr lang="en-US"/>
               <a:pPr/>
-              <a:t>4/17/2023</a:t>
+              <a:t>4/21/2023</a:t>
             </a:fld>
             <a:endParaRPr lang="en-US"/>
           </a:p>
@@ -7341,56 +7360,42 @@
         </p:nvSpPr>
         <p:spPr/>
         <p:txBody>
+          <a:bodyPr>
+            <a:normAutofit fontScale="90000"/>
+          </a:bodyPr>
+          <a:lstStyle/>
+          <a:p>
+            <a:r>
+              <a:rPr lang="en-US" dirty="0" smtClean="0">
+                <a:solidFill>
+                  <a:srgbClr val="FF0000"/>
+                </a:solidFill>
+              </a:rPr>
+              <a:t>DESIGNING A LEARNING SYSTEM for Checkers Game</a:t>
+            </a:r>
+            <a:endParaRPr lang="en-US" dirty="0"/>
+          </a:p>
+        </p:txBody>
+      </p:sp>
+      <p:sp>
+        <p:nvSpPr>
+          <p:cNvPr id="4" name="Content Placeholder 3"/>
+          <p:cNvSpPr>
+            <a:spLocks noGrp="1"/>
+          </p:cNvSpPr>
+          <p:nvPr>
+            <p:ph idx="1"/>
+          </p:nvPr>
+        </p:nvSpPr>
+        <p:spPr/>
+        <p:txBody>
           <a:bodyPr/>
           <a:lstStyle/>
           <a:p>
-            <a:r>
-              <a:rPr lang="en-US" dirty="0" smtClean="0">
-                <a:solidFill>
-                  <a:srgbClr val="FF0000"/>
-                </a:solidFill>
-              </a:rPr>
-              <a:t>DESIGNING A LEARNING SYSTEM</a:t>
-            </a:r>
-            <a:endParaRPr lang="en-US" dirty="0"/>
-          </a:p>
-        </p:txBody>
-      </p:sp>
-      <p:pic>
-        <p:nvPicPr>
-          <p:cNvPr id="30722" name="Picture 2"/>
-          <p:cNvPicPr>
-            <a:picLocks noGrp="1" noChangeAspect="1" noChangeArrowheads="1"/>
-          </p:cNvPicPr>
-          <p:nvPr>
-            <p:ph idx="1"/>
-          </p:nvPr>
-        </p:nvPicPr>
-        <p:blipFill>
-          <a:blip r:embed="rId2"/>
-          <a:srcRect/>
-          <a:stretch>
-            <a:fillRect/>
-          </a:stretch>
-        </p:blipFill>
-        <p:spPr bwMode="auto">
-          <a:xfrm>
-            <a:off x="1419225" y="1571612"/>
-            <a:ext cx="6305550" cy="4071966"/>
-          </a:xfrm>
-          <a:prstGeom prst="rect">
-            <a:avLst/>
-          </a:prstGeom>
-          <a:noFill/>
-          <a:ln w="9525">
-            <a:noFill/>
-            <a:miter lim="800000"/>
-            <a:headEnd/>
-            <a:tailEnd/>
-          </a:ln>
-          <a:effectLst/>
-        </p:spPr>
-      </p:pic>
+            <a:endParaRPr lang="en-US"/>
+          </a:p>
+        </p:txBody>
+      </p:sp>
     </p:spTree>
   </p:cSld>
   <p:clrMapOvr>
@@ -7546,92 +7551,57 @@
           <a:bodyPr/>
           <a:lstStyle/>
           <a:p>
-            <a:r>
-              <a:rPr lang="en-US" dirty="0" smtClean="0"/>
-              <a:t>Choosing the Training Experience</a:t>
-            </a:r>
             <a:endParaRPr lang="en-US" dirty="0"/>
           </a:p>
         </p:txBody>
       </p:sp>
-      <p:sp>
-        <p:nvSpPr>
-          <p:cNvPr id="3" name="Content Placeholder 2"/>
-          <p:cNvSpPr>
-            <a:spLocks noGrp="1"/>
-          </p:cNvSpPr>
+      <p:pic>
+        <p:nvPicPr>
+          <p:cNvPr id="31746" name="Picture 2"/>
+          <p:cNvPicPr>
+            <a:picLocks noGrp="1" noChangeAspect="1" noChangeArrowheads="1"/>
+          </p:cNvPicPr>
           <p:nvPr>
             <p:ph idx="1"/>
           </p:nvPr>
-        </p:nvSpPr>
-        <p:spPr/>
-        <p:txBody>
-          <a:bodyPr>
-            <a:normAutofit fontScale="92500" lnSpcReduction="10000"/>
-          </a:bodyPr>
-          <a:lstStyle/>
-          <a:p>
-            <a:r>
-              <a:rPr lang="en-US" dirty="0" smtClean="0"/>
-              <a:t>The first design choice we face </a:t>
-            </a:r>
-            <a:r>
-              <a:rPr lang="en-US" dirty="0" smtClean="0">
-                <a:solidFill>
-                  <a:srgbClr val="7030A0"/>
-                </a:solidFill>
-              </a:rPr>
-              <a:t>is to choose the type of training experience</a:t>
-            </a:r>
-            <a:r>
-              <a:rPr lang="en-US" dirty="0" smtClean="0"/>
-              <a:t> from which our system will learn.</a:t>
-            </a:r>
-          </a:p>
-          <a:p>
-            <a:r>
-              <a:rPr lang="en-US" dirty="0" smtClean="0"/>
-              <a:t>A second important attribute of the training </a:t>
-            </a:r>
-            <a:r>
-              <a:rPr lang="en-US" dirty="0" smtClean="0">
-                <a:solidFill>
-                  <a:srgbClr val="7030A0"/>
-                </a:solidFill>
-              </a:rPr>
-              <a:t>experience is the degree to which the learner </a:t>
-            </a:r>
-            <a:r>
-              <a:rPr lang="en-US" dirty="0" smtClean="0"/>
-              <a:t>controls the sequence of training examples.</a:t>
-            </a:r>
-          </a:p>
-          <a:p>
-            <a:r>
-              <a:rPr lang="en-US" dirty="0" smtClean="0"/>
-              <a:t>A third important attribute of the training experience </a:t>
-            </a:r>
-            <a:r>
-              <a:rPr lang="en-US" dirty="0" smtClean="0">
-                <a:solidFill>
-                  <a:srgbClr val="7030A0"/>
-                </a:solidFill>
-              </a:rPr>
-              <a:t>is how well it represents the distribution of examples </a:t>
-            </a:r>
-            <a:r>
-              <a:rPr lang="en-US" dirty="0" smtClean="0"/>
-              <a:t>over which the final system performance P must be measured.</a:t>
-            </a:r>
-            <a:endParaRPr lang="en-US" dirty="0"/>
-          </a:p>
-        </p:txBody>
-      </p:sp>
+        </p:nvPicPr>
+        <p:blipFill>
+          <a:blip r:embed="rId2"/>
+          <a:srcRect/>
+          <a:stretch>
+            <a:fillRect/>
+          </a:stretch>
+        </p:blipFill>
+        <p:spPr bwMode="auto">
+          <a:xfrm>
+            <a:off x="428597" y="571480"/>
+            <a:ext cx="8715404" cy="7286676"/>
+          </a:xfrm>
+          <a:prstGeom prst="rect">
+            <a:avLst/>
+          </a:prstGeom>
+          <a:noFill/>
+          <a:ln w="9525">
+            <a:noFill/>
+            <a:miter lim="800000"/>
+            <a:headEnd/>
+            <a:tailEnd/>
+          </a:ln>
+          <a:effectLst/>
+        </p:spPr>
+      </p:pic>
     </p:spTree>
   </p:cSld>
   <p:clrMapOvr>
     <a:masterClrMapping/>
   </p:clrMapOvr>
+  <p:timing>
+    <p:tnLst>
+      <p:par>
+        <p:cTn id="1" dur="indefinite" restart="never" nodeType="tmRoot"/>
+      </p:par>
+    </p:tnLst>
+  </p:timing>
 </p:sld>
 </file>
 
@@ -7671,7 +7641,14 @@
           <a:p>
             <a:r>
               <a:rPr lang="en-US" dirty="0" smtClean="0"/>
-              <a:t>Below are the attributes which will impact on Success and Failure of Data:</a:t>
+              <a:t>Choosing the Training Experience:</a:t>
+            </a:r>
+            <a:br>
+              <a:rPr lang="en-US" dirty="0" smtClean="0"/>
+            </a:br>
+            <a:r>
+              <a:rPr lang="en-US" dirty="0" smtClean="0"/>
+              <a:t>impact on Success and Failure of Data:</a:t>
             </a:r>
             <a:br>
               <a:rPr lang="en-US" dirty="0" smtClean="0"/>
@@ -7693,35 +7670,62 @@
         <p:spPr/>
         <p:txBody>
           <a:bodyPr>
-            <a:normAutofit fontScale="62500" lnSpcReduction="20000"/>
+            <a:normAutofit fontScale="92500" lnSpcReduction="10000"/>
           </a:bodyPr>
           <a:lstStyle/>
           <a:p>
-            <a:pPr fontAlgn="base"/>
             <a:r>
               <a:rPr lang="en-US" dirty="0" smtClean="0"/>
-              <a:t>The </a:t>
+              <a:t>The first design choice we face </a:t>
+            </a:r>
+            <a:r>
+              <a:rPr lang="en-US" dirty="0" smtClean="0">
+                <a:solidFill>
+                  <a:srgbClr val="7030A0"/>
+                </a:solidFill>
+              </a:rPr>
+              <a:t>is to choose the type of training experience</a:t>
             </a:r>
             <a:r>
               <a:rPr lang="en-US" dirty="0" smtClean="0"/>
-              <a:t>training experience will be able to provide direct or indirect feedback regarding choices. For example: While Playing chess the training data will provide feedback to itself like instead of this move if this is chosen the chances of success increases.</a:t>
-            </a:r>
-          </a:p>
-          <a:p>
-            <a:pPr fontAlgn="base"/>
+              <a:t> from which our system will learn.</a:t>
+            </a:r>
+          </a:p>
+          <a:p>
             <a:r>
               <a:rPr lang="en-US" dirty="0" smtClean="0"/>
-              <a:t>Second important attribute is the degree to which the learner will control the sequences of training examples. For example: when training data is fed to the machine then at that time accuracy is very less but when it gains experience while playing again and again with itself or opponent the machine algorithm will get feedback and control the chess game accordingly.</a:t>
-            </a:r>
-          </a:p>
-          <a:p>
-            <a:pPr fontAlgn="base"/>
+              <a:t>A second important attribute of the training </a:t>
+            </a:r>
+            <a:r>
+              <a:rPr lang="en-US" dirty="0" smtClean="0">
+                <a:solidFill>
+                  <a:srgbClr val="7030A0"/>
+                </a:solidFill>
+              </a:rPr>
+              <a:t>experience is the degree to which the learner </a:t>
+            </a:r>
             <a:r>
               <a:rPr lang="en-US" dirty="0" smtClean="0"/>
-              <a:t>Third important attribute is how it will represent the distribution of examples over which performance will be measured. For example, a Machine learning algorithm will get experience while going through a number of different cases and different examples. Thus, Machine Learning Algorithm will get more and more experience by passing through more and more examples and hence its performance will increase.</a:t>
-            </a:r>
-          </a:p>
-          <a:p>
+              <a:t>controls the sequence of training examples.</a:t>
+            </a:r>
+          </a:p>
+          <a:p>
+            <a:r>
+              <a:rPr lang="en-US" dirty="0" smtClean="0"/>
+              <a:t>A third important attribute of the training experience </a:t>
+            </a:r>
+            <a:r>
+              <a:rPr lang="en-US" dirty="0" smtClean="0">
+                <a:solidFill>
+                  <a:srgbClr val="7030A0"/>
+                </a:solidFill>
+              </a:rPr>
+              <a:t>is how well it represents the distribution of examples </a:t>
+            </a:r>
+            <a:r>
+              <a:rPr lang="en-US" dirty="0" smtClean="0"/>
+              <a:t>over which the final system performance P must be measured.</a:t>
+            </a:r>
             <a:endParaRPr lang="en-US" dirty="0"/>
           </a:p>
         </p:txBody>
@@ -7774,6 +7778,322 @@
           <a:lstStyle/>
           <a:p>
             <a:r>
+              <a:rPr lang="en-US" dirty="0" smtClean="0">
+                <a:solidFill>
+                  <a:srgbClr val="7030A0"/>
+                </a:solidFill>
+              </a:rPr>
+              <a:t>Type of training experience</a:t>
+            </a:r>
+            <a:endParaRPr lang="en-US" dirty="0"/>
+          </a:p>
+        </p:txBody>
+      </p:sp>
+      <p:sp>
+        <p:nvSpPr>
+          <p:cNvPr id="3" name="Content Placeholder 2"/>
+          <p:cNvSpPr>
+            <a:spLocks noGrp="1"/>
+          </p:cNvSpPr>
+          <p:nvPr>
+            <p:ph idx="1"/>
+          </p:nvPr>
+        </p:nvSpPr>
+        <p:spPr/>
+        <p:txBody>
+          <a:bodyPr>
+            <a:normAutofit fontScale="92500"/>
+          </a:bodyPr>
+          <a:lstStyle/>
+          <a:p>
+            <a:r>
+              <a:rPr lang="en-US" b="1" i="1" dirty="0" smtClean="0"/>
+              <a:t>Direct information</a:t>
+            </a:r>
+            <a:r>
+              <a:rPr lang="en-US" dirty="0" smtClean="0"/>
+              <a:t> (or training examples) consists of individual checkerboard states and their correct moves.</a:t>
+            </a:r>
+          </a:p>
+          <a:p>
+            <a:r>
+              <a:rPr lang="en-US" b="1" i="1" dirty="0" smtClean="0"/>
+              <a:t>Indirect information</a:t>
+            </a:r>
+            <a:r>
+              <a:rPr lang="en-US" dirty="0" smtClean="0"/>
+              <a:t> consist of a move sequences and the final outcomes (win or lose).</a:t>
+            </a:r>
+          </a:p>
+          <a:p>
+            <a:r>
+              <a:rPr lang="en-US" dirty="0" smtClean="0"/>
+              <a:t>When using indirect information we are faced with the </a:t>
+            </a:r>
+            <a:r>
+              <a:rPr lang="en-US" b="1" i="1" dirty="0" smtClean="0"/>
+              <a:t>credit assignment</a:t>
+            </a:r>
+            <a:r>
+              <a:rPr lang="en-US" dirty="0" smtClean="0"/>
+              <a:t> problem: determining how much credit each move should receive for the final outcome.</a:t>
+            </a:r>
+          </a:p>
+          <a:p>
+            <a:endParaRPr lang="en-US" dirty="0"/>
+          </a:p>
+        </p:txBody>
+      </p:sp>
+    </p:spTree>
+  </p:cSld>
+  <p:clrMapOvr>
+    <a:masterClrMapping/>
+  </p:clrMapOvr>
+  <p:timing>
+    <p:tnLst>
+      <p:par>
+        <p:cTn id="1" dur="indefinite" restart="never" nodeType="tmRoot"/>
+      </p:par>
+    </p:tnLst>
+  </p:timing>
+</p:sld>
+</file>
+
+<file path=ppt/slides/slide23.xml><?xml version="1.0" encoding="utf-8"?>
+<p:sld xmlns:a="http://schemas.openxmlformats.org/drawingml/2006/main" xmlns:r="http://schemas.openxmlformats.org/officeDocument/2006/relationships" xmlns:p="http://schemas.openxmlformats.org/presentationml/2006/main">
+  <p:cSld>
+    <p:spTree>
+      <p:nvGrpSpPr>
+        <p:cNvPr id="1" name=""/>
+        <p:cNvGrpSpPr/>
+        <p:nvPr/>
+      </p:nvGrpSpPr>
+      <p:grpSpPr>
+        <a:xfrm>
+          <a:off x="0" y="0"/>
+          <a:ext cx="0" cy="0"/>
+          <a:chOff x="0" y="0"/>
+          <a:chExt cx="0" cy="0"/>
+        </a:xfrm>
+      </p:grpSpPr>
+      <p:sp>
+        <p:nvSpPr>
+          <p:cNvPr id="2" name="Title 1"/>
+          <p:cNvSpPr>
+            <a:spLocks noGrp="1"/>
+          </p:cNvSpPr>
+          <p:nvPr>
+            <p:ph type="title"/>
+          </p:nvPr>
+        </p:nvSpPr>
+        <p:spPr/>
+        <p:txBody>
+          <a:bodyPr>
+            <a:normAutofit fontScale="90000"/>
+          </a:bodyPr>
+          <a:lstStyle/>
+          <a:p>
+            <a:r>
+              <a:rPr lang="en-US" dirty="0" smtClean="0">
+                <a:solidFill>
+                  <a:srgbClr val="7030A0"/>
+                </a:solidFill>
+              </a:rPr>
+              <a:t>Experience is the degree to which the learner</a:t>
+            </a:r>
+            <a:endParaRPr lang="en-US" dirty="0"/>
+          </a:p>
+        </p:txBody>
+      </p:sp>
+      <p:sp>
+        <p:nvSpPr>
+          <p:cNvPr id="3" name="Content Placeholder 2"/>
+          <p:cNvSpPr>
+            <a:spLocks noGrp="1"/>
+          </p:cNvSpPr>
+          <p:nvPr>
+            <p:ph idx="1"/>
+          </p:nvPr>
+        </p:nvSpPr>
+        <p:spPr/>
+        <p:txBody>
+          <a:bodyPr>
+            <a:normAutofit fontScale="85000" lnSpcReduction="20000"/>
+          </a:bodyPr>
+          <a:lstStyle/>
+          <a:p>
+            <a:r>
+              <a:rPr lang="en-US" b="1" dirty="0" smtClean="0"/>
+              <a:t>Teacher or Not — </a:t>
+            </a:r>
+            <a:r>
+              <a:rPr lang="en-US" dirty="0" smtClean="0"/>
+              <a:t>Supervised — The training experience will be labeled, which means, all the board states will be labeled with the correct move. So the learning takes place in the presence of a supervisor or a teacher.</a:t>
+            </a:r>
+            <a:br>
+              <a:rPr lang="en-US" dirty="0" smtClean="0"/>
+            </a:br>
+            <a:r>
+              <a:rPr lang="en-US" b="1" dirty="0" smtClean="0"/>
+              <a:t>Unsupervised</a:t>
+            </a:r>
+            <a:r>
+              <a:rPr lang="en-US" dirty="0" smtClean="0"/>
+              <a:t> — The training experience will be unlabeled, which means, all the board states will not have the moves. So the learner generates random games and plays against itself with no supervision or teacher involvement.</a:t>
+            </a:r>
+            <a:br>
+              <a:rPr lang="en-US" dirty="0" smtClean="0"/>
+            </a:br>
+            <a:r>
+              <a:rPr lang="en-US" b="1" dirty="0" smtClean="0"/>
+              <a:t>Semi-supervised</a:t>
+            </a:r>
+            <a:r>
+              <a:rPr lang="en-US" dirty="0" smtClean="0"/>
+              <a:t> — Learner generates game states and asks the teacher for help in finding the correct move if the board state is </a:t>
+            </a:r>
+            <a:r>
+              <a:rPr lang="en-US" dirty="0" err="1" smtClean="0"/>
+              <a:t>confusi</a:t>
+            </a:r>
+            <a:endParaRPr lang="en-US" dirty="0"/>
+          </a:p>
+        </p:txBody>
+      </p:sp>
+    </p:spTree>
+  </p:cSld>
+  <p:clrMapOvr>
+    <a:masterClrMapping/>
+  </p:clrMapOvr>
+  <p:timing>
+    <p:tnLst>
+      <p:par>
+        <p:cTn id="1" dur="indefinite" restart="never" nodeType="tmRoot"/>
+      </p:par>
+    </p:tnLst>
+  </p:timing>
+</p:sld>
+</file>
+
+<file path=ppt/slides/slide24.xml><?xml version="1.0" encoding="utf-8"?>
+<p:sld xmlns:a="http://schemas.openxmlformats.org/drawingml/2006/main" xmlns:r="http://schemas.openxmlformats.org/officeDocument/2006/relationships" xmlns:p="http://schemas.openxmlformats.org/presentationml/2006/main">
+  <p:cSld>
+    <p:spTree>
+      <p:nvGrpSpPr>
+        <p:cNvPr id="1" name=""/>
+        <p:cNvGrpSpPr/>
+        <p:nvPr/>
+      </p:nvGrpSpPr>
+      <p:grpSpPr>
+        <a:xfrm>
+          <a:off x="0" y="0"/>
+          <a:ext cx="0" cy="0"/>
+          <a:chOff x="0" y="0"/>
+          <a:chExt cx="0" cy="0"/>
+        </a:xfrm>
+      </p:grpSpPr>
+      <p:sp>
+        <p:nvSpPr>
+          <p:cNvPr id="2" name="Title 1"/>
+          <p:cNvSpPr>
+            <a:spLocks noGrp="1"/>
+          </p:cNvSpPr>
+          <p:nvPr>
+            <p:ph type="title"/>
+          </p:nvPr>
+        </p:nvSpPr>
+        <p:spPr/>
+        <p:txBody>
+          <a:bodyPr>
+            <a:normAutofit fontScale="90000"/>
+          </a:bodyPr>
+          <a:lstStyle/>
+          <a:p>
+            <a:r>
+              <a:rPr lang="en-US" dirty="0" smtClean="0">
+                <a:solidFill>
+                  <a:srgbClr val="7030A0"/>
+                </a:solidFill>
+              </a:rPr>
+              <a:t>Experience is the degree to which the learner</a:t>
+            </a:r>
+            <a:endParaRPr lang="en-US" dirty="0"/>
+          </a:p>
+        </p:txBody>
+      </p:sp>
+      <p:sp>
+        <p:nvSpPr>
+          <p:cNvPr id="3" name="Content Placeholder 2"/>
+          <p:cNvSpPr>
+            <a:spLocks noGrp="1"/>
+          </p:cNvSpPr>
+          <p:nvPr>
+            <p:ph idx="1"/>
+          </p:nvPr>
+        </p:nvSpPr>
+        <p:spPr/>
+        <p:txBody>
+          <a:bodyPr>
+            <a:normAutofit lnSpcReduction="10000"/>
+          </a:bodyPr>
+          <a:lstStyle/>
+          <a:p>
+            <a:r>
+              <a:rPr lang="en-US" dirty="0" smtClean="0"/>
+              <a:t>For example, the learner might rely on the teacher to select informative board states and to provide the correct move for each. Alternatively, the learner might itself propose board states that it finds particularly confusing and ask the teacher for the correct move. Or the learner may have complete control over both the board states and (indirect) training classifications, as it does when it learns by playing against itself with no teacher present.</a:t>
+            </a:r>
+            <a:endParaRPr lang="en-US" dirty="0"/>
+          </a:p>
+        </p:txBody>
+      </p:sp>
+    </p:spTree>
+  </p:cSld>
+  <p:clrMapOvr>
+    <a:masterClrMapping/>
+  </p:clrMapOvr>
+  <p:timing>
+    <p:tnLst>
+      <p:par>
+        <p:cTn id="1" dur="indefinite" restart="never" nodeType="tmRoot"/>
+      </p:par>
+    </p:tnLst>
+  </p:timing>
+</p:sld>
+</file>
+
+<file path=ppt/slides/slide25.xml><?xml version="1.0" encoding="utf-8"?>
+<p:sld xmlns:a="http://schemas.openxmlformats.org/drawingml/2006/main" xmlns:r="http://schemas.openxmlformats.org/officeDocument/2006/relationships" xmlns:p="http://schemas.openxmlformats.org/presentationml/2006/main">
+  <p:cSld>
+    <p:spTree>
+      <p:nvGrpSpPr>
+        <p:cNvPr id="1" name=""/>
+        <p:cNvGrpSpPr/>
+        <p:nvPr/>
+      </p:nvGrpSpPr>
+      <p:grpSpPr>
+        <a:xfrm>
+          <a:off x="0" y="0"/>
+          <a:ext cx="0" cy="0"/>
+          <a:chOff x="0" y="0"/>
+          <a:chExt cx="0" cy="0"/>
+        </a:xfrm>
+      </p:grpSpPr>
+      <p:sp>
+        <p:nvSpPr>
+          <p:cNvPr id="2" name="Title 1"/>
+          <p:cNvSpPr>
+            <a:spLocks noGrp="1"/>
+          </p:cNvSpPr>
+          <p:nvPr>
+            <p:ph type="title"/>
+          </p:nvPr>
+        </p:nvSpPr>
+        <p:spPr/>
+        <p:txBody>
+          <a:bodyPr/>
+          <a:lstStyle/>
+          <a:p>
+            <a:r>
               <a:rPr lang="en-US" dirty="0" smtClean="0"/>
               <a:t>Choosing the Training Experience</a:t>
             </a:r>
@@ -7821,10 +8141,17 @@
   <p:clrMapOvr>
     <a:masterClrMapping/>
   </p:clrMapOvr>
+  <p:timing>
+    <p:tnLst>
+      <p:par>
+        <p:cTn id="1" dur="indefinite" restart="never" nodeType="tmRoot"/>
+      </p:par>
+    </p:tnLst>
+  </p:timing>
 </p:sld>
 </file>
 
-<file path=ppt/slides/slide23.xml><?xml version="1.0" encoding="utf-8"?>
+<file path=ppt/slides/slide26.xml><?xml version="1.0" encoding="utf-8"?>
 <p:sld xmlns:a="http://schemas.openxmlformats.org/drawingml/2006/main" xmlns:r="http://schemas.openxmlformats.org/officeDocument/2006/relationships" xmlns:p="http://schemas.openxmlformats.org/presentationml/2006/main">
   <p:cSld>
     <p:spTree>
@@ -7858,7 +8185,7 @@
           <a:p>
             <a:r>
               <a:rPr lang="en-US" dirty="0" smtClean="0"/>
-              <a:t>Choosing the Target Function</a:t>
+              <a:t>2.Choosing the Target Function</a:t>
             </a:r>
             <a:endParaRPr lang="en-US" dirty="0"/>
           </a:p>
@@ -7877,17 +8204,13 @@
         <p:spPr/>
         <p:txBody>
           <a:bodyPr>
-            <a:normAutofit fontScale="77500" lnSpcReduction="20000"/>
+            <a:normAutofit/>
           </a:bodyPr>
           <a:lstStyle/>
           <a:p>
             <a:r>
               <a:rPr lang="en-US" dirty="0" smtClean="0"/>
-              <a:t>The next design choice is to determine exactly what type of knowledge will be learned and how this will be used by the performance program</a:t>
-            </a:r>
-            <a:r>
-              <a:rPr lang="en-US" dirty="0" smtClean="0"/>
-              <a:t>.</a:t>
+              <a:t>The next design choice is to determine exactly what type of knowledge will be learned and how this will be used by the performance program.</a:t>
             </a:r>
           </a:p>
           <a:p>
@@ -7895,53 +8218,6 @@
               <a:rPr lang="en-US" dirty="0" smtClean="0"/>
               <a:t>The next important step is choosing the target function. </a:t>
             </a:r>
-            <a:endParaRPr lang="en-US" dirty="0" smtClean="0"/>
-          </a:p>
-          <a:p>
-            <a:r>
-              <a:rPr lang="en-US" dirty="0" smtClean="0"/>
-              <a:t>It </a:t>
-            </a:r>
-            <a:r>
-              <a:rPr lang="en-US" dirty="0" smtClean="0"/>
-              <a:t>means according to the knowledge fed to the algorithm the </a:t>
-            </a:r>
-            <a:r>
-              <a:rPr lang="en-US" dirty="0" smtClean="0">
-                <a:solidFill>
-                  <a:srgbClr val="FF0000"/>
-                </a:solidFill>
-              </a:rPr>
-              <a:t>machine learning will choose </a:t>
-            </a:r>
-            <a:r>
-              <a:rPr lang="en-US" dirty="0" err="1" smtClean="0">
-                <a:solidFill>
-                  <a:srgbClr val="FF0000"/>
-                </a:solidFill>
-              </a:rPr>
-              <a:t>NextMove</a:t>
-            </a:r>
-            <a:r>
-              <a:rPr lang="en-US" dirty="0" smtClean="0">
-                <a:solidFill>
-                  <a:srgbClr val="FF0000"/>
-                </a:solidFill>
-              </a:rPr>
-              <a:t> </a:t>
-            </a:r>
-            <a:r>
-              <a:rPr lang="en-US" dirty="0" smtClean="0"/>
-              <a:t>function which will describe what type of legal moves should be taken. </a:t>
-            </a:r>
-            <a:endParaRPr lang="en-US" dirty="0" smtClean="0"/>
-          </a:p>
-          <a:p>
-            <a:r>
-              <a:rPr lang="en-US" dirty="0" smtClean="0"/>
-              <a:t> For example : While playing chess with the opponent, when opponent will play then the machine learning algorithm will decide what be the number of possible legal moves taken in order to get success.</a:t>
-            </a:r>
-            <a:endParaRPr lang="en-US" dirty="0"/>
           </a:p>
         </p:txBody>
       </p:sp>
@@ -7950,10 +8226,17 @@
   <p:clrMapOvr>
     <a:masterClrMapping/>
   </p:clrMapOvr>
+  <p:timing>
+    <p:tnLst>
+      <p:par>
+        <p:cTn id="1" dur="indefinite" restart="never" nodeType="tmRoot"/>
+      </p:par>
+    </p:tnLst>
+  </p:timing>
 </p:sld>
 </file>
 
-<file path=ppt/slides/slide24.xml><?xml version="1.0" encoding="utf-8"?>
+<file path=ppt/slides/slide27.xml><?xml version="1.0" encoding="utf-8"?>
 <p:sld xmlns:a="http://schemas.openxmlformats.org/drawingml/2006/main" xmlns:r="http://schemas.openxmlformats.org/officeDocument/2006/relationships" xmlns:p="http://schemas.openxmlformats.org/presentationml/2006/main">
   <p:cSld>
     <p:spTree>
@@ -7982,54 +8265,37 @@
         </p:nvSpPr>
         <p:spPr/>
         <p:txBody>
+          <a:bodyPr/>
+          <a:lstStyle/>
+          <a:p>
+            <a:r>
+              <a:rPr lang="en-US" dirty="0" smtClean="0"/>
+              <a:t>2.Choosing the Target Function</a:t>
+            </a:r>
+            <a:endParaRPr lang="en-US" dirty="0"/>
+          </a:p>
+        </p:txBody>
+      </p:sp>
+      <p:sp>
+        <p:nvSpPr>
+          <p:cNvPr id="3" name="Content Placeholder 2"/>
+          <p:cNvSpPr>
+            <a:spLocks noGrp="1"/>
+          </p:cNvSpPr>
+          <p:nvPr>
+            <p:ph idx="1"/>
+          </p:nvPr>
+        </p:nvSpPr>
+        <p:spPr/>
+        <p:txBody>
           <a:bodyPr>
-            <a:normAutofit fontScale="90000"/>
+            <a:normAutofit lnSpcReduction="10000"/>
           </a:bodyPr>
           <a:lstStyle/>
           <a:p>
             <a:r>
-              <a:rPr lang="en-US" b="1" dirty="0" smtClean="0"/>
-              <a:t>Step 3- Choosing Representation for Target function:</a:t>
-            </a:r>
-            <a:endParaRPr lang="en-US" dirty="0"/>
-          </a:p>
-        </p:txBody>
-      </p:sp>
-      <p:sp>
-        <p:nvSpPr>
-          <p:cNvPr id="3" name="Content Placeholder 2"/>
-          <p:cNvSpPr>
-            <a:spLocks noGrp="1"/>
-          </p:cNvSpPr>
-          <p:nvPr>
-            <p:ph idx="1"/>
-          </p:nvPr>
-        </p:nvSpPr>
-        <p:spPr/>
-        <p:txBody>
-          <a:bodyPr>
-            <a:normAutofit fontScale="92500" lnSpcReduction="20000"/>
-          </a:bodyPr>
-          <a:lstStyle/>
-          <a:p>
-            <a:r>
-              <a:rPr lang="en-US" dirty="0" smtClean="0"/>
-              <a:t>When the machine algorithm will know all the possible legal moves the next step is to choose the optimized move using any representation i.e. using linear Equations, Hierarchical Graph Representation, Tabular form etc. </a:t>
-            </a:r>
-            <a:endParaRPr lang="en-US" dirty="0" smtClean="0"/>
-          </a:p>
-          <a:p>
-            <a:r>
-              <a:rPr lang="en-US" dirty="0" smtClean="0"/>
-              <a:t>The </a:t>
-            </a:r>
-            <a:r>
-              <a:rPr lang="en-US" dirty="0" err="1" smtClean="0"/>
-              <a:t>NextMove</a:t>
-            </a:r>
-            <a:r>
-              <a:rPr lang="en-US" dirty="0" smtClean="0"/>
-              <a:t> function will move the Target move like out of these move which will provide more success rate. For Example : while playing chess machine have 4 possible moves, so the machine will choose that optimized move which will provide success to it.</a:t>
+              <a:rPr lang="en-US" i="1" dirty="0" smtClean="0"/>
+              <a:t>When you are playing the checkers game, at any moment of time, you make a decision on choosing the best move from different possibilities. You think and apply the learning that you have gained from the experience. Here the learning is, for a specific board, you move a checker such that your board state tends towards the winning situation. Now the same learning has to be defined in terms of the target function.</a:t>
             </a:r>
             <a:endParaRPr lang="en-US" dirty="0"/>
           </a:p>
@@ -8040,10 +8306,17 @@
   <p:clrMapOvr>
     <a:masterClrMapping/>
   </p:clrMapOvr>
+  <p:timing>
+    <p:tnLst>
+      <p:par>
+        <p:cTn id="1" dur="indefinite" restart="never" nodeType="tmRoot"/>
+      </p:par>
+    </p:tnLst>
+  </p:timing>
 </p:sld>
 </file>
 
-<file path=ppt/slides/slide25.xml><?xml version="1.0" encoding="utf-8"?>
+<file path=ppt/slides/slide28.xml><?xml version="1.0" encoding="utf-8"?>
 <p:sld xmlns:a="http://schemas.openxmlformats.org/drawingml/2006/main" xmlns:r="http://schemas.openxmlformats.org/officeDocument/2006/relationships" xmlns:p="http://schemas.openxmlformats.org/presentationml/2006/main">
   <p:cSld>
     <p:spTree>
@@ -8078,12 +8351,692 @@
           <a:lstStyle/>
           <a:p>
             <a:r>
+              <a:rPr lang="en-US" dirty="0" smtClean="0"/>
+              <a:t>Here there are 2 considerations — direct and indirect experience-For Target Function</a:t>
+            </a:r>
+            <a:endParaRPr lang="en-US" dirty="0"/>
+          </a:p>
+        </p:txBody>
+      </p:sp>
+      <p:sp>
+        <p:nvSpPr>
+          <p:cNvPr id="3" name="Content Placeholder 2"/>
+          <p:cNvSpPr>
+            <a:spLocks noGrp="1"/>
+          </p:cNvSpPr>
+          <p:nvPr>
+            <p:ph idx="1"/>
+          </p:nvPr>
+        </p:nvSpPr>
+        <p:spPr/>
+        <p:txBody>
+          <a:bodyPr>
+            <a:normAutofit fontScale="85000" lnSpcReduction="10000"/>
+          </a:bodyPr>
+          <a:lstStyle/>
+          <a:p>
+            <a:r>
+              <a:rPr lang="en-US" dirty="0" smtClean="0"/>
+              <a:t>.</a:t>
+            </a:r>
+          </a:p>
+          <a:p>
+            <a:r>
               <a:rPr lang="en-US" b="1" dirty="0" smtClean="0"/>
-              <a:t>Step 3- Choosing Representation for Target function</a:t>
-            </a:r>
+              <a:t>During the direct experience</a:t>
+            </a:r>
+            <a:r>
+              <a:rPr lang="en-US" dirty="0" smtClean="0"/>
+              <a:t>, the checkers learning system, it needs only to learn how to choose the best move among some large search space. We need to find a target function that will help us choose the best move among alternatives.</a:t>
+            </a:r>
+          </a:p>
+          <a:p>
+            <a:r>
+              <a:rPr lang="en-US" dirty="0" smtClean="0"/>
+              <a:t> Let us call this function </a:t>
+            </a:r>
+            <a:r>
+              <a:rPr lang="en-US" dirty="0" err="1" smtClean="0"/>
+              <a:t>ChooseMove</a:t>
+            </a:r>
+            <a:r>
+              <a:rPr lang="en-US" dirty="0" smtClean="0"/>
+              <a:t> and use the notation</a:t>
+            </a:r>
+            <a:r>
+              <a:rPr lang="en-US" dirty="0" smtClean="0">
+                <a:solidFill>
+                  <a:srgbClr val="FF0000"/>
+                </a:solidFill>
+              </a:rPr>
+              <a:t> </a:t>
+            </a:r>
+            <a:r>
+              <a:rPr lang="en-US" b="1" dirty="0" err="1" smtClean="0">
+                <a:solidFill>
+                  <a:srgbClr val="FF0000"/>
+                </a:solidFill>
+              </a:rPr>
+              <a:t>ChooseMove</a:t>
+            </a:r>
+            <a:r>
+              <a:rPr lang="en-US" b="1" dirty="0" smtClean="0">
+                <a:solidFill>
+                  <a:srgbClr val="FF0000"/>
+                </a:solidFill>
+              </a:rPr>
+              <a:t> : B →M</a:t>
+            </a:r>
+            <a:r>
+              <a:rPr lang="en-US" dirty="0" smtClean="0">
+                <a:solidFill>
+                  <a:srgbClr val="FF0000"/>
+                </a:solidFill>
+              </a:rPr>
+              <a:t> </a:t>
+            </a:r>
+            <a:r>
+              <a:rPr lang="en-US" dirty="0" smtClean="0"/>
+              <a:t>to indicate that this function accepts as input any board from the set of legal board states B and produces as output some move from the set of legal moves M.</a:t>
+            </a:r>
+          </a:p>
+          <a:p>
+            <a:endParaRPr lang="en-US" dirty="0"/>
+          </a:p>
+        </p:txBody>
+      </p:sp>
+    </p:spTree>
+  </p:cSld>
+  <p:clrMapOvr>
+    <a:masterClrMapping/>
+  </p:clrMapOvr>
+  <p:timing>
+    <p:tnLst>
+      <p:par>
+        <p:cTn id="1" dur="indefinite" restart="never" nodeType="tmRoot"/>
+      </p:par>
+    </p:tnLst>
+  </p:timing>
+</p:sld>
+</file>
+
+<file path=ppt/slides/slide29.xml><?xml version="1.0" encoding="utf-8"?>
+<p:sld xmlns:a="http://schemas.openxmlformats.org/drawingml/2006/main" xmlns:r="http://schemas.openxmlformats.org/officeDocument/2006/relationships" xmlns:p="http://schemas.openxmlformats.org/presentationml/2006/main">
+  <p:cSld>
+    <p:spTree>
+      <p:nvGrpSpPr>
+        <p:cNvPr id="1" name=""/>
+        <p:cNvGrpSpPr/>
+        <p:nvPr/>
+      </p:nvGrpSpPr>
+      <p:grpSpPr>
+        <a:xfrm>
+          <a:off x="0" y="0"/>
+          <a:ext cx="0" cy="0"/>
+          <a:chOff x="0" y="0"/>
+          <a:chExt cx="0" cy="0"/>
+        </a:xfrm>
+      </p:grpSpPr>
+      <p:sp>
+        <p:nvSpPr>
+          <p:cNvPr id="2" name="Title 1"/>
+          <p:cNvSpPr>
+            <a:spLocks noGrp="1"/>
+          </p:cNvSpPr>
+          <p:nvPr>
+            <p:ph type="title"/>
+          </p:nvPr>
+        </p:nvSpPr>
+        <p:spPr/>
+        <p:txBody>
+          <a:bodyPr>
+            <a:normAutofit fontScale="90000"/>
+          </a:bodyPr>
+          <a:lstStyle/>
+          <a:p>
+            <a:r>
+              <a:rPr lang="en-US" dirty="0" smtClean="0"/>
+              <a:t>Here there are 2 considerations — direct and indirect experience-For Target Function</a:t>
+            </a:r>
+            <a:endParaRPr lang="en-US" dirty="0"/>
+          </a:p>
+        </p:txBody>
+      </p:sp>
+      <p:sp>
+        <p:nvSpPr>
+          <p:cNvPr id="3" name="Content Placeholder 2"/>
+          <p:cNvSpPr>
+            <a:spLocks noGrp="1"/>
+          </p:cNvSpPr>
+          <p:nvPr>
+            <p:ph idx="1"/>
+          </p:nvPr>
+        </p:nvSpPr>
+        <p:spPr/>
+        <p:txBody>
+          <a:bodyPr/>
+          <a:lstStyle/>
+          <a:p>
             <a:r>
               <a:rPr lang="en-US" b="1" dirty="0" smtClean="0"/>
-              <a:t>:	</a:t>
+              <a:t>When there is an indirect experience</a:t>
+            </a:r>
+            <a:r>
+              <a:rPr lang="en-US" dirty="0" smtClean="0"/>
+              <a:t>, it becomes difficult to learn such function. How </a:t>
+            </a:r>
+            <a:r>
+              <a:rPr lang="en-US" b="1" dirty="0" smtClean="0"/>
+              <a:t>about </a:t>
+            </a:r>
+            <a:r>
+              <a:rPr lang="en-US" b="1" dirty="0" smtClean="0">
+                <a:solidFill>
+                  <a:srgbClr val="FF0000"/>
+                </a:solidFill>
+              </a:rPr>
+              <a:t>assigning a real score to the board state. </a:t>
+            </a:r>
+            <a:r>
+              <a:rPr lang="en-US" dirty="0" smtClean="0"/>
+              <a:t>So the function be</a:t>
+            </a:r>
+            <a:r>
+              <a:rPr lang="en-US" dirty="0" smtClean="0">
+                <a:solidFill>
+                  <a:srgbClr val="FF0000"/>
+                </a:solidFill>
+              </a:rPr>
+              <a:t> </a:t>
+            </a:r>
+            <a:r>
+              <a:rPr lang="en-US" b="1" dirty="0" smtClean="0">
+                <a:solidFill>
+                  <a:srgbClr val="FF0000"/>
+                </a:solidFill>
+              </a:rPr>
+              <a:t>V : B →R</a:t>
+            </a:r>
+            <a:r>
+              <a:rPr lang="en-US" dirty="0" smtClean="0"/>
+              <a:t> indicating that this accepts as input any board from the set of legal board states B and produces an output a real score. This function assigns the higher scores to better board states.</a:t>
+            </a:r>
+          </a:p>
+          <a:p>
+            <a:endParaRPr lang="en-US" dirty="0"/>
+          </a:p>
+        </p:txBody>
+      </p:sp>
+    </p:spTree>
+  </p:cSld>
+  <p:clrMapOvr>
+    <a:masterClrMapping/>
+  </p:clrMapOvr>
+  <p:timing>
+    <p:tnLst>
+      <p:par>
+        <p:cTn id="1" dur="indefinite" restart="never" nodeType="tmRoot"/>
+      </p:par>
+    </p:tnLst>
+  </p:timing>
+</p:sld>
+</file>
+
+<file path=ppt/slides/slide3.xml><?xml version="1.0" encoding="utf-8"?>
+<p:sld xmlns:a="http://schemas.openxmlformats.org/drawingml/2006/main" xmlns:r="http://schemas.openxmlformats.org/officeDocument/2006/relationships" xmlns:p="http://schemas.openxmlformats.org/presentationml/2006/main">
+  <p:cSld>
+    <p:spTree>
+      <p:nvGrpSpPr>
+        <p:cNvPr id="1" name=""/>
+        <p:cNvGrpSpPr/>
+        <p:nvPr/>
+      </p:nvGrpSpPr>
+      <p:grpSpPr>
+        <a:xfrm>
+          <a:off x="0" y="0"/>
+          <a:ext cx="0" cy="0"/>
+          <a:chOff x="0" y="0"/>
+          <a:chExt cx="0" cy="0"/>
+        </a:xfrm>
+      </p:grpSpPr>
+      <p:sp>
+        <p:nvSpPr>
+          <p:cNvPr id="2" name="Title 1"/>
+          <p:cNvSpPr>
+            <a:spLocks noGrp="1"/>
+          </p:cNvSpPr>
+          <p:nvPr>
+            <p:ph type="title"/>
+          </p:nvPr>
+        </p:nvSpPr>
+        <p:spPr/>
+        <p:txBody>
+          <a:bodyPr/>
+          <a:lstStyle/>
+          <a:p>
+            <a:r>
+              <a:rPr lang="en-US" smtClean="0">
+                <a:solidFill>
+                  <a:srgbClr val="FF0000"/>
+                </a:solidFill>
+              </a:rPr>
+              <a:t>Well-Proposed Learning Algorithm</a:t>
+            </a:r>
+            <a:endParaRPr lang="en-US"/>
+          </a:p>
+        </p:txBody>
+      </p:sp>
+      <p:sp>
+        <p:nvSpPr>
+          <p:cNvPr id="3" name="Content Placeholder 2"/>
+          <p:cNvSpPr>
+            <a:spLocks noGrp="1"/>
+          </p:cNvSpPr>
+          <p:nvPr>
+            <p:ph idx="1"/>
+          </p:nvPr>
+        </p:nvSpPr>
+        <p:spPr/>
+        <p:txBody>
+          <a:bodyPr/>
+          <a:lstStyle/>
+          <a:p>
+            <a:r>
+              <a:rPr lang="en-US" dirty="0"/>
+              <a:t>A computer program is said to learn from experience E in context to some task T and some performance measure P, if its performance on T, as was measured by P, upgrades with experience E. </a:t>
+            </a:r>
+          </a:p>
+        </p:txBody>
+      </p:sp>
+    </p:spTree>
+  </p:cSld>
+  <p:clrMapOvr>
+    <a:masterClrMapping/>
+  </p:clrMapOvr>
+</p:sld>
+</file>
+
+<file path=ppt/slides/slide30.xml><?xml version="1.0" encoding="utf-8"?>
+<p:sld xmlns:a="http://schemas.openxmlformats.org/drawingml/2006/main" xmlns:r="http://schemas.openxmlformats.org/officeDocument/2006/relationships" xmlns:p="http://schemas.openxmlformats.org/presentationml/2006/main">
+  <p:cSld>
+    <p:spTree>
+      <p:nvGrpSpPr>
+        <p:cNvPr id="1" name=""/>
+        <p:cNvGrpSpPr/>
+        <p:nvPr/>
+      </p:nvGrpSpPr>
+      <p:grpSpPr>
+        <a:xfrm>
+          <a:off x="0" y="0"/>
+          <a:ext cx="0" cy="0"/>
+          <a:chOff x="0" y="0"/>
+          <a:chExt cx="0" cy="0"/>
+        </a:xfrm>
+      </p:grpSpPr>
+      <p:sp>
+        <p:nvSpPr>
+          <p:cNvPr id="2" name="Title 1"/>
+          <p:cNvSpPr>
+            <a:spLocks noGrp="1"/>
+          </p:cNvSpPr>
+          <p:nvPr>
+            <p:ph type="title"/>
+          </p:nvPr>
+        </p:nvSpPr>
+        <p:spPr/>
+        <p:txBody>
+          <a:bodyPr>
+            <a:normAutofit fontScale="90000"/>
+          </a:bodyPr>
+          <a:lstStyle/>
+          <a:p>
+            <a:r>
+              <a:rPr lang="en-US" b="1" dirty="0" smtClean="0">
+                <a:solidFill>
+                  <a:srgbClr val="FF0000"/>
+                </a:solidFill>
+              </a:rPr>
+              <a:t>assigning a real score to the board state.</a:t>
+            </a:r>
+            <a:endParaRPr lang="en-US" dirty="0"/>
+          </a:p>
+        </p:txBody>
+      </p:sp>
+      <p:pic>
+        <p:nvPicPr>
+          <p:cNvPr id="32770" name="Picture 2"/>
+          <p:cNvPicPr>
+            <a:picLocks noGrp="1" noChangeAspect="1" noChangeArrowheads="1"/>
+          </p:cNvPicPr>
+          <p:nvPr>
+            <p:ph idx="1"/>
+          </p:nvPr>
+        </p:nvPicPr>
+        <p:blipFill>
+          <a:blip r:embed="rId2"/>
+          <a:srcRect/>
+          <a:stretch>
+            <a:fillRect/>
+          </a:stretch>
+        </p:blipFill>
+        <p:spPr bwMode="auto">
+          <a:xfrm>
+            <a:off x="2038350" y="1943894"/>
+            <a:ext cx="5067300" cy="3838575"/>
+          </a:xfrm>
+          <a:prstGeom prst="rect">
+            <a:avLst/>
+          </a:prstGeom>
+          <a:noFill/>
+          <a:ln w="9525">
+            <a:noFill/>
+            <a:miter lim="800000"/>
+            <a:headEnd/>
+            <a:tailEnd/>
+          </a:ln>
+          <a:effectLst/>
+        </p:spPr>
+      </p:pic>
+    </p:spTree>
+  </p:cSld>
+  <p:clrMapOvr>
+    <a:masterClrMapping/>
+  </p:clrMapOvr>
+  <p:timing>
+    <p:tnLst>
+      <p:par>
+        <p:cTn id="1" dur="indefinite" restart="never" nodeType="tmRoot"/>
+      </p:par>
+    </p:tnLst>
+  </p:timing>
+</p:sld>
+</file>
+
+<file path=ppt/slides/slide31.xml><?xml version="1.0" encoding="utf-8"?>
+<p:sld xmlns:a="http://schemas.openxmlformats.org/drawingml/2006/main" xmlns:r="http://schemas.openxmlformats.org/officeDocument/2006/relationships" xmlns:p="http://schemas.openxmlformats.org/presentationml/2006/main">
+  <p:cSld>
+    <p:spTree>
+      <p:nvGrpSpPr>
+        <p:cNvPr id="1" name=""/>
+        <p:cNvGrpSpPr/>
+        <p:nvPr/>
+      </p:nvGrpSpPr>
+      <p:grpSpPr>
+        <a:xfrm>
+          <a:off x="0" y="0"/>
+          <a:ext cx="0" cy="0"/>
+          <a:chOff x="0" y="0"/>
+          <a:chExt cx="0" cy="0"/>
+        </a:xfrm>
+      </p:grpSpPr>
+      <p:sp>
+        <p:nvSpPr>
+          <p:cNvPr id="2" name="Title 1"/>
+          <p:cNvSpPr>
+            <a:spLocks noGrp="1"/>
+          </p:cNvSpPr>
+          <p:nvPr>
+            <p:ph type="title"/>
+          </p:nvPr>
+        </p:nvSpPr>
+        <p:spPr/>
+        <p:txBody>
+          <a:bodyPr/>
+          <a:lstStyle/>
+          <a:p>
+            <a:r>
+              <a:rPr lang="en-US" b="1" dirty="0" smtClean="0">
+                <a:solidFill>
+                  <a:srgbClr val="FF0000"/>
+                </a:solidFill>
+              </a:rPr>
+              <a:t>V : B →R</a:t>
+            </a:r>
+            <a:endParaRPr lang="en-US" dirty="0"/>
+          </a:p>
+        </p:txBody>
+      </p:sp>
+      <p:sp>
+        <p:nvSpPr>
+          <p:cNvPr id="3" name="Content Placeholder 2"/>
+          <p:cNvSpPr>
+            <a:spLocks noGrp="1"/>
+          </p:cNvSpPr>
+          <p:nvPr>
+            <p:ph idx="1"/>
+          </p:nvPr>
+        </p:nvSpPr>
+        <p:spPr/>
+        <p:txBody>
+          <a:bodyPr>
+            <a:normAutofit fontScale="92500" lnSpcReduction="20000"/>
+          </a:bodyPr>
+          <a:lstStyle/>
+          <a:p>
+            <a:r>
+              <a:rPr lang="en-US" dirty="0" smtClean="0"/>
+              <a:t>Let us therefore define the target value V(b) for an arbitrary board state b in B, as follows:</a:t>
+            </a:r>
+            <a:br>
+              <a:rPr lang="en-US" dirty="0" smtClean="0"/>
+            </a:br>
+            <a:r>
+              <a:rPr lang="en-US" dirty="0" smtClean="0"/>
+              <a:t>1. if b is a final board state that is won, then V(b) = 100</a:t>
+            </a:r>
+            <a:br>
+              <a:rPr lang="en-US" dirty="0" smtClean="0"/>
+            </a:br>
+            <a:r>
+              <a:rPr lang="en-US" dirty="0" smtClean="0"/>
+              <a:t>2. if b is a final board state that is lost, then V(b) = -100</a:t>
+            </a:r>
+            <a:br>
+              <a:rPr lang="en-US" dirty="0" smtClean="0"/>
+            </a:br>
+            <a:r>
+              <a:rPr lang="en-US" dirty="0" smtClean="0"/>
+              <a:t>3. if b is a final board state that is drawn, then V(b) = 0</a:t>
+            </a:r>
+            <a:br>
+              <a:rPr lang="en-US" dirty="0" smtClean="0"/>
+            </a:br>
+            <a:r>
+              <a:rPr lang="en-US" b="1" dirty="0" smtClean="0"/>
+              <a:t>4. if b is a not a final state in the game, then V (b) = V (b’), where b’ is the best final board state that can be achieved starting from b and playing optimally until the end of the game.</a:t>
+            </a:r>
+            <a:endParaRPr lang="en-US" dirty="0"/>
+          </a:p>
+        </p:txBody>
+      </p:sp>
+    </p:spTree>
+  </p:cSld>
+  <p:clrMapOvr>
+    <a:masterClrMapping/>
+  </p:clrMapOvr>
+  <p:timing>
+    <p:tnLst>
+      <p:par>
+        <p:cTn id="1" dur="indefinite" restart="never" nodeType="tmRoot"/>
+      </p:par>
+    </p:tnLst>
+  </p:timing>
+</p:sld>
+</file>
+
+<file path=ppt/slides/slide32.xml><?xml version="1.0" encoding="utf-8"?>
+<p:sld xmlns:a="http://schemas.openxmlformats.org/drawingml/2006/main" xmlns:r="http://schemas.openxmlformats.org/officeDocument/2006/relationships" xmlns:p="http://schemas.openxmlformats.org/presentationml/2006/main">
+  <p:cSld>
+    <p:spTree>
+      <p:nvGrpSpPr>
+        <p:cNvPr id="1" name=""/>
+        <p:cNvGrpSpPr/>
+        <p:nvPr/>
+      </p:nvGrpSpPr>
+      <p:grpSpPr>
+        <a:xfrm>
+          <a:off x="0" y="0"/>
+          <a:ext cx="0" cy="0"/>
+          <a:chOff x="0" y="0"/>
+          <a:chExt cx="0" cy="0"/>
+        </a:xfrm>
+      </p:grpSpPr>
+      <p:sp>
+        <p:nvSpPr>
+          <p:cNvPr id="2" name="Title 1"/>
+          <p:cNvSpPr>
+            <a:spLocks noGrp="1"/>
+          </p:cNvSpPr>
+          <p:nvPr>
+            <p:ph type="title"/>
+          </p:nvPr>
+        </p:nvSpPr>
+        <p:spPr/>
+        <p:txBody>
+          <a:bodyPr>
+            <a:normAutofit fontScale="90000"/>
+          </a:bodyPr>
+          <a:lstStyle/>
+          <a:p>
+            <a:r>
+              <a:rPr lang="en-US" b="1" dirty="0" smtClean="0"/>
+              <a:t>Step 3- Choosing Representation for Target function:</a:t>
+            </a:r>
+            <a:endParaRPr lang="en-US" dirty="0"/>
+          </a:p>
+        </p:txBody>
+      </p:sp>
+      <p:sp>
+        <p:nvSpPr>
+          <p:cNvPr id="3" name="Content Placeholder 2"/>
+          <p:cNvSpPr>
+            <a:spLocks noGrp="1"/>
+          </p:cNvSpPr>
+          <p:nvPr>
+            <p:ph idx="1"/>
+          </p:nvPr>
+        </p:nvSpPr>
+        <p:spPr/>
+        <p:txBody>
+          <a:bodyPr>
+            <a:normAutofit fontScale="92500" lnSpcReduction="20000"/>
+          </a:bodyPr>
+          <a:lstStyle/>
+          <a:p>
+            <a:r>
+              <a:rPr lang="en-US" dirty="0" smtClean="0"/>
+              <a:t>Now its time to choose a representation that the learning program will use to describe the function ^V that it will learn. The representation of ^V can be as follows.</a:t>
+            </a:r>
+          </a:p>
+          <a:p>
+            <a:r>
+              <a:rPr lang="en-US" dirty="0" smtClean="0">
+                <a:solidFill>
+                  <a:srgbClr val="FF0000"/>
+                </a:solidFill>
+              </a:rPr>
+              <a:t>A table specifying values for each possible board state?</a:t>
+            </a:r>
+          </a:p>
+          <a:p>
+            <a:r>
+              <a:rPr lang="en-US" dirty="0" smtClean="0">
+                <a:solidFill>
+                  <a:srgbClr val="00B050"/>
+                </a:solidFill>
+              </a:rPr>
+              <a:t>collection of rules?</a:t>
+            </a:r>
+          </a:p>
+          <a:p>
+            <a:r>
+              <a:rPr lang="en-US" dirty="0" smtClean="0">
+                <a:solidFill>
+                  <a:srgbClr val="FF0000"/>
+                </a:solidFill>
+              </a:rPr>
+              <a:t>neural network?</a:t>
+            </a:r>
+          </a:p>
+          <a:p>
+            <a:r>
+              <a:rPr lang="en-US" dirty="0" smtClean="0">
+                <a:solidFill>
+                  <a:srgbClr val="00B050"/>
+                </a:solidFill>
+              </a:rPr>
+              <a:t>a polynomial function of board features?</a:t>
+            </a:r>
+          </a:p>
+          <a:p>
+            <a:r>
+              <a:rPr lang="en-US" dirty="0" smtClean="0">
+                <a:solidFill>
+                  <a:srgbClr val="00B050"/>
+                </a:solidFill>
+              </a:rPr>
+              <a:t>…</a:t>
+            </a:r>
+            <a:endParaRPr lang="en-US" dirty="0">
+              <a:solidFill>
+                <a:srgbClr val="00B050"/>
+              </a:solidFill>
+            </a:endParaRPr>
+          </a:p>
+        </p:txBody>
+      </p:sp>
+    </p:spTree>
+  </p:cSld>
+  <p:clrMapOvr>
+    <a:masterClrMapping/>
+  </p:clrMapOvr>
+  <p:timing>
+    <p:tnLst>
+      <p:par>
+        <p:cTn id="1" dur="indefinite" restart="never" nodeType="tmRoot"/>
+      </p:par>
+    </p:tnLst>
+  </p:timing>
+</p:sld>
+</file>
+
+<file path=ppt/slides/slide33.xml><?xml version="1.0" encoding="utf-8"?>
+<p:sld xmlns:a="http://schemas.openxmlformats.org/drawingml/2006/main" xmlns:r="http://schemas.openxmlformats.org/officeDocument/2006/relationships" xmlns:p="http://schemas.openxmlformats.org/presentationml/2006/main">
+  <p:cSld>
+    <p:spTree>
+      <p:nvGrpSpPr>
+        <p:cNvPr id="1" name=""/>
+        <p:cNvGrpSpPr/>
+        <p:nvPr/>
+      </p:nvGrpSpPr>
+      <p:grpSpPr>
+        <a:xfrm>
+          <a:off x="0" y="0"/>
+          <a:ext cx="0" cy="0"/>
+          <a:chOff x="0" y="0"/>
+          <a:chExt cx="0" cy="0"/>
+        </a:xfrm>
+      </p:grpSpPr>
+      <p:sp>
+        <p:nvSpPr>
+          <p:cNvPr id="2" name="Title 1"/>
+          <p:cNvSpPr>
+            <a:spLocks noGrp="1"/>
+          </p:cNvSpPr>
+          <p:nvPr>
+            <p:ph type="title"/>
+          </p:nvPr>
+        </p:nvSpPr>
+        <p:spPr/>
+        <p:txBody>
+          <a:bodyPr>
+            <a:normAutofit fontScale="90000"/>
+          </a:bodyPr>
+          <a:lstStyle/>
+          <a:p>
+            <a:r>
+              <a:rPr lang="en-US" b="1" dirty="0" smtClean="0"/>
+              <a:t>Step 3- Choosing Representation for Target function:	</a:t>
             </a:r>
             <a:endParaRPr lang="en-US" dirty="0"/>
           </a:p>
@@ -8129,10 +9082,17 @@
   <p:clrMapOvr>
     <a:masterClrMapping/>
   </p:clrMapOvr>
+  <p:timing>
+    <p:tnLst>
+      <p:par>
+        <p:cTn id="1" dur="indefinite" restart="never" nodeType="tmRoot"/>
+      </p:par>
+    </p:tnLst>
+  </p:timing>
 </p:sld>
 </file>
 
-<file path=ppt/slides/slide26.xml><?xml version="1.0" encoding="utf-8"?>
+<file path=ppt/slides/slide34.xml><?xml version="1.0" encoding="utf-8"?>
 <p:sld xmlns:a="http://schemas.openxmlformats.org/drawingml/2006/main" xmlns:r="http://schemas.openxmlformats.org/officeDocument/2006/relationships" xmlns:p="http://schemas.openxmlformats.org/presentationml/2006/main">
   <p:cSld>
     <p:spTree>
@@ -8167,36 +9127,51 @@
           <a:lstStyle/>
           <a:p>
             <a:r>
-              <a:rPr lang="en-US" b="1" dirty="0" smtClean="0"/>
-              <a:t>Step 4- Choosing Function Approximation Algorithm: </a:t>
-            </a:r>
+              <a:rPr lang="en-US" dirty="0" smtClean="0"/>
+              <a:t>Partial design of a checkers learning program</a:t>
+            </a:r>
+            <a:br>
+              <a:rPr lang="en-US" dirty="0" smtClean="0"/>
+            </a:br>
             <a:endParaRPr lang="en-US" dirty="0"/>
           </a:p>
         </p:txBody>
       </p:sp>
-      <p:sp>
-        <p:nvSpPr>
-          <p:cNvPr id="3" name="Content Placeholder 2"/>
-          <p:cNvSpPr>
-            <a:spLocks noGrp="1"/>
-          </p:cNvSpPr>
+      <p:pic>
+        <p:nvPicPr>
+          <p:cNvPr id="31746" name="Picture 2"/>
+          <p:cNvPicPr>
+            <a:picLocks noGrp="1" noChangeAspect="1" noChangeArrowheads="1"/>
+          </p:cNvPicPr>
           <p:nvPr>
             <p:ph idx="1"/>
           </p:nvPr>
-        </p:nvSpPr>
-        <p:spPr/>
-        <p:txBody>
-          <a:bodyPr/>
-          <a:lstStyle/>
-          <a:p>
-            <a:r>
-              <a:rPr lang="en-US" dirty="0" smtClean="0"/>
-              <a:t>An optimized move cannot be chosen just with the training data. The training data had to go through with set of example and through these examples the training data will approximates which steps are chosen and after that machine will provide feedback on it.</a:t>
-            </a:r>
-            <a:endParaRPr lang="en-US" dirty="0"/>
-          </a:p>
-        </p:txBody>
-      </p:sp>
+        </p:nvPicPr>
+        <p:blipFill>
+          <a:blip r:embed="rId2"/>
+          <a:srcRect/>
+          <a:stretch>
+            <a:fillRect/>
+          </a:stretch>
+        </p:blipFill>
+        <p:spPr bwMode="auto">
+          <a:xfrm>
+            <a:off x="428596" y="1500174"/>
+            <a:ext cx="8072494" cy="4714907"/>
+          </a:xfrm>
+          <a:prstGeom prst="rect">
+            <a:avLst/>
+          </a:prstGeom>
+          <a:noFill/>
+          <a:ln w="9525">
+            <a:noFill/>
+            <a:miter lim="800000"/>
+            <a:headEnd/>
+            <a:tailEnd/>
+          </a:ln>
+          <a:effectLst/>
+        </p:spPr>
+      </p:pic>
     </p:spTree>
   </p:cSld>
   <p:clrMapOvr>
@@ -8205,7 +9180,7 @@
 </p:sld>
 </file>
 
-<file path=ppt/slides/slide27.xml><?xml version="1.0" encoding="utf-8"?>
+<file path=ppt/slides/slide35.xml><?xml version="1.0" encoding="utf-8"?>
 <p:sld xmlns:a="http://schemas.openxmlformats.org/drawingml/2006/main" xmlns:r="http://schemas.openxmlformats.org/officeDocument/2006/relationships" xmlns:p="http://schemas.openxmlformats.org/presentationml/2006/main">
   <p:cSld>
     <p:spTree>
@@ -8257,6 +9232,335 @@
             <p:ph idx="1"/>
           </p:nvPr>
         </p:nvSpPr>
+        <p:spPr/>
+        <p:txBody>
+          <a:bodyPr/>
+          <a:lstStyle/>
+          <a:p>
+            <a:r>
+              <a:rPr lang="en-US" dirty="0" smtClean="0"/>
+              <a:t>To learn the target </a:t>
+            </a:r>
+            <a:r>
+              <a:rPr lang="en-US" dirty="0" err="1" smtClean="0"/>
+              <a:t>functionV:B</a:t>
+            </a:r>
+            <a:r>
+              <a:rPr lang="en-US" dirty="0" smtClean="0"/>
+              <a:t>-R(board Value), we require a set of training examples, each describing a specific board state </a:t>
+            </a:r>
+            <a:r>
+              <a:rPr lang="en-US" b="1" dirty="0" smtClean="0"/>
+              <a:t>b</a:t>
+            </a:r>
+            <a:r>
+              <a:rPr lang="en-US" dirty="0" smtClean="0"/>
+              <a:t> and the training value (Correct Move ) </a:t>
+            </a:r>
+            <a:r>
+              <a:rPr lang="en-US" b="1" dirty="0" smtClean="0"/>
+              <a:t>y</a:t>
+            </a:r>
+            <a:r>
+              <a:rPr lang="en-US" dirty="0" smtClean="0"/>
+              <a:t> for </a:t>
+            </a:r>
+            <a:r>
+              <a:rPr lang="en-US" b="1" dirty="0" smtClean="0"/>
+              <a:t>b</a:t>
+            </a:r>
+            <a:r>
+              <a:rPr lang="en-US" dirty="0" smtClean="0"/>
+              <a:t>. </a:t>
+            </a:r>
+          </a:p>
+          <a:p>
+            <a:r>
+              <a:rPr lang="en-US" dirty="0" smtClean="0"/>
+              <a:t>The training algorithm learns/approximates the coefficients u0, u1 up to u6 with the help of these training examples by estimating and adjusting these weights.</a:t>
+            </a:r>
+            <a:endParaRPr lang="en-US" dirty="0">
+              <a:solidFill>
+                <a:srgbClr val="FF0000"/>
+              </a:solidFill>
+            </a:endParaRPr>
+          </a:p>
+        </p:txBody>
+      </p:sp>
+    </p:spTree>
+  </p:cSld>
+  <p:clrMapOvr>
+    <a:masterClrMapping/>
+  </p:clrMapOvr>
+  <p:timing>
+    <p:tnLst>
+      <p:par>
+        <p:cTn id="1" dur="indefinite" restart="never" nodeType="tmRoot"/>
+      </p:par>
+    </p:tnLst>
+  </p:timing>
+</p:sld>
+</file>
+
+<file path=ppt/slides/slide36.xml><?xml version="1.0" encoding="utf-8"?>
+<p:sld xmlns:a="http://schemas.openxmlformats.org/drawingml/2006/main" xmlns:r="http://schemas.openxmlformats.org/officeDocument/2006/relationships" xmlns:p="http://schemas.openxmlformats.org/presentationml/2006/main">
+  <p:cSld>
+    <p:spTree>
+      <p:nvGrpSpPr>
+        <p:cNvPr id="1" name=""/>
+        <p:cNvGrpSpPr/>
+        <p:nvPr/>
+      </p:nvGrpSpPr>
+      <p:grpSpPr>
+        <a:xfrm>
+          <a:off x="0" y="0"/>
+          <a:ext cx="0" cy="0"/>
+          <a:chOff x="0" y="0"/>
+          <a:chExt cx="0" cy="0"/>
+        </a:xfrm>
+      </p:grpSpPr>
+      <p:sp>
+        <p:nvSpPr>
+          <p:cNvPr id="2" name="Title 1"/>
+          <p:cNvSpPr>
+            <a:spLocks noGrp="1"/>
+          </p:cNvSpPr>
+          <p:nvPr>
+            <p:ph type="title"/>
+          </p:nvPr>
+        </p:nvSpPr>
+        <p:spPr/>
+        <p:txBody>
+          <a:bodyPr>
+            <a:normAutofit fontScale="90000"/>
+          </a:bodyPr>
+          <a:lstStyle/>
+          <a:p>
+            <a:r>
+              <a:rPr lang="en-US" b="1" dirty="0" smtClean="0"/>
+              <a:t>Step 4- Choosing Function Approximation Algorithm: </a:t>
+            </a:r>
+            <a:endParaRPr lang="en-US" dirty="0"/>
+          </a:p>
+        </p:txBody>
+      </p:sp>
+      <p:sp>
+        <p:nvSpPr>
+          <p:cNvPr id="3" name="Content Placeholder 2"/>
+          <p:cNvSpPr>
+            <a:spLocks noGrp="1"/>
+          </p:cNvSpPr>
+          <p:nvPr>
+            <p:ph idx="1"/>
+          </p:nvPr>
+        </p:nvSpPr>
+        <p:spPr/>
+        <p:txBody>
+          <a:bodyPr/>
+          <a:lstStyle/>
+          <a:p>
+            <a:r>
+              <a:rPr lang="en-US" dirty="0" smtClean="0"/>
+              <a:t>An optimized move cannot be chosen just with the training data</a:t>
+            </a:r>
+            <a:r>
+              <a:rPr lang="en-US" dirty="0" smtClean="0">
+                <a:solidFill>
+                  <a:srgbClr val="FF0000"/>
+                </a:solidFill>
+              </a:rPr>
+              <a:t>. </a:t>
+            </a:r>
+          </a:p>
+          <a:p>
+            <a:r>
+              <a:rPr lang="en-US" dirty="0" smtClean="0">
+                <a:solidFill>
+                  <a:srgbClr val="FF0000"/>
+                </a:solidFill>
+              </a:rPr>
+              <a:t>The training data had to go through with set of example and through these examples the training data will approximates which steps are chosen and after that machine will provide feedback on it.</a:t>
+            </a:r>
+            <a:endParaRPr lang="en-US" dirty="0">
+              <a:solidFill>
+                <a:srgbClr val="FF0000"/>
+              </a:solidFill>
+            </a:endParaRPr>
+          </a:p>
+        </p:txBody>
+      </p:sp>
+    </p:spTree>
+  </p:cSld>
+  <p:clrMapOvr>
+    <a:masterClrMapping/>
+  </p:clrMapOvr>
+  <p:timing>
+    <p:tnLst>
+      <p:par>
+        <p:cTn id="1" dur="indefinite" restart="never" nodeType="tmRoot"/>
+      </p:par>
+    </p:tnLst>
+  </p:timing>
+</p:sld>
+</file>
+
+<file path=ppt/slides/slide37.xml><?xml version="1.0" encoding="utf-8"?>
+<p:sld xmlns:a="http://schemas.openxmlformats.org/drawingml/2006/main" xmlns:r="http://schemas.openxmlformats.org/officeDocument/2006/relationships" xmlns:p="http://schemas.openxmlformats.org/presentationml/2006/main">
+  <p:cSld>
+    <p:spTree>
+      <p:nvGrpSpPr>
+        <p:cNvPr id="1" name=""/>
+        <p:cNvGrpSpPr/>
+        <p:nvPr/>
+      </p:nvGrpSpPr>
+      <p:grpSpPr>
+        <a:xfrm>
+          <a:off x="0" y="0"/>
+          <a:ext cx="0" cy="0"/>
+          <a:chOff x="0" y="0"/>
+          <a:chExt cx="0" cy="0"/>
+        </a:xfrm>
+      </p:grpSpPr>
+      <p:sp>
+        <p:nvSpPr>
+          <p:cNvPr id="2" name="Title 1"/>
+          <p:cNvSpPr>
+            <a:spLocks noGrp="1"/>
+          </p:cNvSpPr>
+          <p:nvPr>
+            <p:ph type="title"/>
+          </p:nvPr>
+        </p:nvSpPr>
+        <p:spPr/>
+        <p:txBody>
+          <a:bodyPr>
+            <a:normAutofit fontScale="90000"/>
+          </a:bodyPr>
+          <a:lstStyle/>
+          <a:p>
+            <a:r>
+              <a:rPr lang="en-US" b="1" dirty="0" smtClean="0"/>
+              <a:t>Step 4- Choosing Function Approximation Algorithm: </a:t>
+            </a:r>
+            <a:endParaRPr lang="en-US" dirty="0"/>
+          </a:p>
+        </p:txBody>
+      </p:sp>
+      <p:sp>
+        <p:nvSpPr>
+          <p:cNvPr id="3" name="Content Placeholder 2"/>
+          <p:cNvSpPr>
+            <a:spLocks noGrp="1"/>
+          </p:cNvSpPr>
+          <p:nvPr>
+            <p:ph idx="1"/>
+          </p:nvPr>
+        </p:nvSpPr>
+        <p:spPr/>
+        <p:txBody>
+          <a:bodyPr>
+            <a:normAutofit fontScale="92500" lnSpcReduction="20000"/>
+          </a:bodyPr>
+          <a:lstStyle/>
+          <a:p>
+            <a:r>
+              <a:rPr lang="en-US" dirty="0" smtClean="0"/>
+              <a:t>In order to learn the target function f we require a set of training examples, each describing a specific board state b and the training value </a:t>
+            </a:r>
+            <a:r>
+              <a:rPr lang="en-US" dirty="0" err="1" smtClean="0"/>
+              <a:t>Vtrain</a:t>
+            </a:r>
+            <a:r>
+              <a:rPr lang="en-US" dirty="0" smtClean="0"/>
+              <a:t>(b) for b. </a:t>
+            </a:r>
+          </a:p>
+          <a:p>
+            <a:r>
+              <a:rPr lang="en-US" dirty="0" smtClean="0"/>
+              <a:t>In other words, each training example is an ordered pair of the form (b, </a:t>
+            </a:r>
+            <a:r>
+              <a:rPr lang="en-US" dirty="0" err="1" smtClean="0"/>
+              <a:t>V',,,i</a:t>
+            </a:r>
+            <a:r>
+              <a:rPr lang="en-US" dirty="0" smtClean="0"/>
+              <a:t>,(b)). For instance, the following training example describes a board state b in which black has won the game (note x2 = 0 indicates that red has no remaining pieces) and for which the target function value </a:t>
+            </a:r>
+            <a:r>
+              <a:rPr lang="en-US" dirty="0" err="1" smtClean="0"/>
+              <a:t>VZrain</a:t>
+            </a:r>
+            <a:r>
+              <a:rPr lang="en-US" dirty="0" smtClean="0"/>
+              <a:t>(b) is therefore +100.</a:t>
+            </a:r>
+            <a:endParaRPr lang="en-US" dirty="0"/>
+          </a:p>
+        </p:txBody>
+      </p:sp>
+    </p:spTree>
+  </p:cSld>
+  <p:clrMapOvr>
+    <a:masterClrMapping/>
+  </p:clrMapOvr>
+</p:sld>
+</file>
+
+<file path=ppt/slides/slide38.xml><?xml version="1.0" encoding="utf-8"?>
+<p:sld xmlns:a="http://schemas.openxmlformats.org/drawingml/2006/main" xmlns:r="http://schemas.openxmlformats.org/officeDocument/2006/relationships" xmlns:p="http://schemas.openxmlformats.org/presentationml/2006/main">
+  <p:cSld>
+    <p:spTree>
+      <p:nvGrpSpPr>
+        <p:cNvPr id="1" name=""/>
+        <p:cNvGrpSpPr/>
+        <p:nvPr/>
+      </p:nvGrpSpPr>
+      <p:grpSpPr>
+        <a:xfrm>
+          <a:off x="0" y="0"/>
+          <a:ext cx="0" cy="0"/>
+          <a:chOff x="0" y="0"/>
+          <a:chExt cx="0" cy="0"/>
+        </a:xfrm>
+      </p:grpSpPr>
+      <p:sp>
+        <p:nvSpPr>
+          <p:cNvPr id="2" name="Title 1"/>
+          <p:cNvSpPr>
+            <a:spLocks noGrp="1"/>
+          </p:cNvSpPr>
+          <p:nvPr>
+            <p:ph type="title"/>
+          </p:nvPr>
+        </p:nvSpPr>
+        <p:spPr/>
+        <p:txBody>
+          <a:bodyPr>
+            <a:normAutofit fontScale="90000"/>
+          </a:bodyPr>
+          <a:lstStyle/>
+          <a:p>
+            <a:r>
+              <a:rPr lang="en-US" b="1" dirty="0" smtClean="0"/>
+              <a:t>Step 4- Choosing Function Approximation Algorithm: </a:t>
+            </a:r>
+            <a:endParaRPr lang="en-US" dirty="0"/>
+          </a:p>
+        </p:txBody>
+      </p:sp>
+      <p:sp>
+        <p:nvSpPr>
+          <p:cNvPr id="3" name="Content Placeholder 2"/>
+          <p:cNvSpPr>
+            <a:spLocks noGrp="1"/>
+          </p:cNvSpPr>
+          <p:nvPr>
+            <p:ph idx="1"/>
+          </p:nvPr>
+        </p:nvSpPr>
         <p:spPr>
           <a:xfrm>
             <a:off x="457200" y="1600201"/>
@@ -8269,19 +9573,7 @@
           <a:p>
             <a:r>
               <a:rPr lang="en-US" dirty="0" smtClean="0"/>
-              <a:t>4.1 </a:t>
-            </a:r>
-            <a:r>
-              <a:rPr lang="en-US" dirty="0" smtClean="0"/>
-              <a:t>ESTIMATING </a:t>
-            </a:r>
-            <a:r>
-              <a:rPr lang="en-US" dirty="0" smtClean="0"/>
-              <a:t>TRAINING </a:t>
-            </a:r>
-            <a:r>
-              <a:rPr lang="en-US" dirty="0" smtClean="0"/>
-              <a:t>VALUES</a:t>
+              <a:t>4.1 ESTIMATING TRAINING VALUES</a:t>
             </a:r>
           </a:p>
           <a:p>
@@ -8330,7 +9622,7 @@
 </p:sld>
 </file>
 
-<file path=ppt/slides/slide28.xml><?xml version="1.0" encoding="utf-8"?>
+<file path=ppt/slides/slide39.xml><?xml version="1.0" encoding="utf-8"?>
 <p:sld xmlns:a="http://schemas.openxmlformats.org/drawingml/2006/main" xmlns:r="http://schemas.openxmlformats.org/officeDocument/2006/relationships" xmlns:p="http://schemas.openxmlformats.org/presentationml/2006/main">
   <p:cSld>
     <p:spTree>
@@ -8394,15 +9686,7 @@
           <a:p>
             <a:r>
               <a:rPr lang="en-US" dirty="0" smtClean="0"/>
-              <a:t>4.2 ADJUSTING </a:t>
-            </a:r>
-            <a:r>
-              <a:rPr lang="en-US" dirty="0" smtClean="0"/>
-              <a:t>THE </a:t>
-            </a:r>
-            <a:r>
-              <a:rPr lang="en-US" dirty="0" smtClean="0"/>
-              <a:t>WEIGHTS</a:t>
+              <a:t>4.2 ADJUSTING THE WEIGHTS</a:t>
             </a:r>
           </a:p>
           <a:p>
@@ -8455,156 +9739,6 @@
 </p:sld>
 </file>
 
-<file path=ppt/slides/slide29.xml><?xml version="1.0" encoding="utf-8"?>
-<p:sld xmlns:a="http://schemas.openxmlformats.org/drawingml/2006/main" xmlns:r="http://schemas.openxmlformats.org/officeDocument/2006/relationships" xmlns:p="http://schemas.openxmlformats.org/presentationml/2006/main">
-  <p:cSld>
-    <p:spTree>
-      <p:nvGrpSpPr>
-        <p:cNvPr id="1" name=""/>
-        <p:cNvGrpSpPr/>
-        <p:nvPr/>
-      </p:nvGrpSpPr>
-      <p:grpSpPr>
-        <a:xfrm>
-          <a:off x="0" y="0"/>
-          <a:ext cx="0" cy="0"/>
-          <a:chOff x="0" y="0"/>
-          <a:chExt cx="0" cy="0"/>
-        </a:xfrm>
-      </p:grpSpPr>
-      <p:sp>
-        <p:nvSpPr>
-          <p:cNvPr id="2" name="Title 1"/>
-          <p:cNvSpPr>
-            <a:spLocks noGrp="1"/>
-          </p:cNvSpPr>
-          <p:nvPr>
-            <p:ph type="title"/>
-          </p:nvPr>
-        </p:nvSpPr>
-        <p:spPr/>
-        <p:txBody>
-          <a:bodyPr>
-            <a:normAutofit fontScale="90000"/>
-          </a:bodyPr>
-          <a:lstStyle/>
-          <a:p>
-            <a:r>
-              <a:rPr lang="en-US" dirty="0" smtClean="0"/>
-              <a:t>5. The </a:t>
-            </a:r>
-            <a:r>
-              <a:rPr lang="en-US" dirty="0" smtClean="0"/>
-              <a:t>Final Design</a:t>
-            </a:r>
-            <a:br>
-              <a:rPr lang="en-US" dirty="0" smtClean="0"/>
-            </a:br>
-            <a:endParaRPr lang="en-US" dirty="0"/>
-          </a:p>
-        </p:txBody>
-      </p:sp>
-      <p:sp>
-        <p:nvSpPr>
-          <p:cNvPr id="3" name="Content Placeholder 2"/>
-          <p:cNvSpPr>
-            <a:spLocks noGrp="1"/>
-          </p:cNvSpPr>
-          <p:nvPr>
-            <p:ph idx="1"/>
-          </p:nvPr>
-        </p:nvSpPr>
-        <p:spPr/>
-        <p:txBody>
-          <a:bodyPr/>
-          <a:lstStyle/>
-          <a:p>
-            <a:endParaRPr lang="en-US" dirty="0"/>
-          </a:p>
-        </p:txBody>
-      </p:sp>
-    </p:spTree>
-  </p:cSld>
-  <p:clrMapOvr>
-    <a:masterClrMapping/>
-  </p:clrMapOvr>
-</p:sld>
-</file>
-
-<file path=ppt/slides/slide3.xml><?xml version="1.0" encoding="utf-8"?>
-<p:sld xmlns:a="http://schemas.openxmlformats.org/drawingml/2006/main" xmlns:r="http://schemas.openxmlformats.org/officeDocument/2006/relationships" xmlns:p="http://schemas.openxmlformats.org/presentationml/2006/main">
-  <p:cSld>
-    <p:spTree>
-      <p:nvGrpSpPr>
-        <p:cNvPr id="1" name=""/>
-        <p:cNvGrpSpPr/>
-        <p:nvPr/>
-      </p:nvGrpSpPr>
-      <p:grpSpPr>
-        <a:xfrm>
-          <a:off x="0" y="0"/>
-          <a:ext cx="0" cy="0"/>
-          <a:chOff x="0" y="0"/>
-          <a:chExt cx="0" cy="0"/>
-        </a:xfrm>
-      </p:grpSpPr>
-      <p:sp>
-        <p:nvSpPr>
-          <p:cNvPr id="2" name="Title 1"/>
-          <p:cNvSpPr>
-            <a:spLocks noGrp="1"/>
-          </p:cNvSpPr>
-          <p:nvPr>
-            <p:ph type="title"/>
-          </p:nvPr>
-        </p:nvSpPr>
-        <p:spPr/>
-        <p:txBody>
-          <a:bodyPr/>
-          <a:lstStyle/>
-          <a:p>
-            <a:r>
-              <a:rPr lang="en-US" smtClean="0">
-                <a:solidFill>
-                  <a:srgbClr val="FF0000"/>
-                </a:solidFill>
-              </a:rPr>
-              <a:t>Well-Proposed Learning Algorithm</a:t>
-            </a:r>
-            <a:endParaRPr lang="en-US"/>
-          </a:p>
-        </p:txBody>
-      </p:sp>
-      <p:sp>
-        <p:nvSpPr>
-          <p:cNvPr id="3" name="Content Placeholder 2"/>
-          <p:cNvSpPr>
-            <a:spLocks noGrp="1"/>
-          </p:cNvSpPr>
-          <p:nvPr>
-            <p:ph idx="1"/>
-          </p:nvPr>
-        </p:nvSpPr>
-        <p:spPr/>
-        <p:txBody>
-          <a:bodyPr/>
-          <a:lstStyle/>
-          <a:p>
-            <a:r>
-              <a:rPr lang="en-US" dirty="0"/>
-              <a:t>A computer program is said to learn from experience E in context to some task T and some performance measure P, if its performance on T, as was measured by P, upgrades with experience E. </a:t>
-            </a:r>
-          </a:p>
-        </p:txBody>
-      </p:sp>
-    </p:spTree>
-  </p:cSld>
-  <p:clrMapOvr>
-    <a:masterClrMapping/>
-  </p:clrMapOvr>
-</p:sld>
-</file>
-
 <file path=ppt/slides/slide4.xml><?xml version="1.0" encoding="utf-8"?>
 <p:sld xmlns:a="http://schemas.openxmlformats.org/drawingml/2006/main" xmlns:r="http://schemas.openxmlformats.org/officeDocument/2006/relationships" xmlns:p="http://schemas.openxmlformats.org/presentationml/2006/main">
   <p:cSld>
@@ -8753,6 +9887,487 @@
       </p:par>
     </p:tnLst>
   </p:timing>
+</p:sld>
+</file>
+
+<file path=ppt/slides/slide40.xml><?xml version="1.0" encoding="utf-8"?>
+<p:sld xmlns:a="http://schemas.openxmlformats.org/drawingml/2006/main" xmlns:r="http://schemas.openxmlformats.org/officeDocument/2006/relationships" xmlns:p="http://schemas.openxmlformats.org/presentationml/2006/main">
+  <p:cSld>
+    <p:spTree>
+      <p:nvGrpSpPr>
+        <p:cNvPr id="1" name=""/>
+        <p:cNvGrpSpPr/>
+        <p:nvPr/>
+      </p:nvGrpSpPr>
+      <p:grpSpPr>
+        <a:xfrm>
+          <a:off x="0" y="0"/>
+          <a:ext cx="0" cy="0"/>
+          <a:chOff x="0" y="0"/>
+          <a:chExt cx="0" cy="0"/>
+        </a:xfrm>
+      </p:grpSpPr>
+      <p:sp>
+        <p:nvSpPr>
+          <p:cNvPr id="2" name="Title 1"/>
+          <p:cNvSpPr>
+            <a:spLocks noGrp="1"/>
+          </p:cNvSpPr>
+          <p:nvPr>
+            <p:ph type="title"/>
+          </p:nvPr>
+        </p:nvSpPr>
+        <p:spPr/>
+        <p:txBody>
+          <a:bodyPr>
+            <a:normAutofit fontScale="90000"/>
+          </a:bodyPr>
+          <a:lstStyle/>
+          <a:p>
+            <a:r>
+              <a:rPr lang="en-US" dirty="0" smtClean="0"/>
+              <a:t>5. The Final Design</a:t>
+            </a:r>
+            <a:br>
+              <a:rPr lang="en-US" dirty="0" smtClean="0"/>
+            </a:br>
+            <a:endParaRPr lang="en-US" dirty="0"/>
+          </a:p>
+        </p:txBody>
+      </p:sp>
+      <p:sp>
+        <p:nvSpPr>
+          <p:cNvPr id="3" name="Content Placeholder 2"/>
+          <p:cNvSpPr>
+            <a:spLocks noGrp="1"/>
+          </p:cNvSpPr>
+          <p:nvPr>
+            <p:ph idx="1"/>
+          </p:nvPr>
+        </p:nvSpPr>
+        <p:spPr/>
+        <p:txBody>
+          <a:bodyPr/>
+          <a:lstStyle/>
+          <a:p>
+            <a:r>
+              <a:rPr lang="en-US" dirty="0" smtClean="0"/>
+              <a:t>The final design of our checkers learning system can be naturally described by four distinct program modules that represent the central components in many learning systems. These four modules, summarized in Figure 1.1, are as follows:</a:t>
+            </a:r>
+            <a:endParaRPr lang="en-US" dirty="0"/>
+          </a:p>
+        </p:txBody>
+      </p:sp>
+    </p:spTree>
+  </p:cSld>
+  <p:clrMapOvr>
+    <a:masterClrMapping/>
+  </p:clrMapOvr>
+</p:sld>
+</file>
+
+<file path=ppt/slides/slide41.xml><?xml version="1.0" encoding="utf-8"?>
+<p:sld xmlns:a="http://schemas.openxmlformats.org/drawingml/2006/main" xmlns:r="http://schemas.openxmlformats.org/officeDocument/2006/relationships" xmlns:p="http://schemas.openxmlformats.org/presentationml/2006/main">
+  <p:cSld>
+    <p:spTree>
+      <p:nvGrpSpPr>
+        <p:cNvPr id="1" name=""/>
+        <p:cNvGrpSpPr/>
+        <p:nvPr/>
+      </p:nvGrpSpPr>
+      <p:grpSpPr>
+        <a:xfrm>
+          <a:off x="0" y="0"/>
+          <a:ext cx="0" cy="0"/>
+          <a:chOff x="0" y="0"/>
+          <a:chExt cx="0" cy="0"/>
+        </a:xfrm>
+      </p:grpSpPr>
+      <p:sp>
+        <p:nvSpPr>
+          <p:cNvPr id="2" name="Title 1"/>
+          <p:cNvSpPr>
+            <a:spLocks noGrp="1"/>
+          </p:cNvSpPr>
+          <p:nvPr>
+            <p:ph type="title"/>
+          </p:nvPr>
+        </p:nvSpPr>
+        <p:spPr/>
+        <p:txBody>
+          <a:bodyPr/>
+          <a:lstStyle/>
+          <a:p>
+            <a:endParaRPr lang="en-US"/>
+          </a:p>
+        </p:txBody>
+      </p:sp>
+      <p:pic>
+        <p:nvPicPr>
+          <p:cNvPr id="31746" name="Picture 2"/>
+          <p:cNvPicPr>
+            <a:picLocks noGrp="1" noChangeAspect="1" noChangeArrowheads="1"/>
+          </p:cNvPicPr>
+          <p:nvPr>
+            <p:ph idx="1"/>
+          </p:nvPr>
+        </p:nvPicPr>
+        <p:blipFill>
+          <a:blip r:embed="rId2"/>
+          <a:srcRect/>
+          <a:stretch>
+            <a:fillRect/>
+          </a:stretch>
+        </p:blipFill>
+        <p:spPr bwMode="auto">
+          <a:xfrm>
+            <a:off x="0" y="1600200"/>
+            <a:ext cx="8429651" cy="5257800"/>
+          </a:xfrm>
+          <a:prstGeom prst="rect">
+            <a:avLst/>
+          </a:prstGeom>
+          <a:noFill/>
+          <a:ln w="9525">
+            <a:noFill/>
+            <a:miter lim="800000"/>
+            <a:headEnd/>
+            <a:tailEnd/>
+          </a:ln>
+          <a:effectLst/>
+        </p:spPr>
+      </p:pic>
+    </p:spTree>
+  </p:cSld>
+  <p:clrMapOvr>
+    <a:masterClrMapping/>
+  </p:clrMapOvr>
+</p:sld>
+</file>
+
+<file path=ppt/slides/slide42.xml><?xml version="1.0" encoding="utf-8"?>
+<p:sld xmlns:a="http://schemas.openxmlformats.org/drawingml/2006/main" xmlns:r="http://schemas.openxmlformats.org/officeDocument/2006/relationships" xmlns:p="http://schemas.openxmlformats.org/presentationml/2006/main">
+  <p:cSld>
+    <p:spTree>
+      <p:nvGrpSpPr>
+        <p:cNvPr id="1" name=""/>
+        <p:cNvGrpSpPr/>
+        <p:nvPr/>
+      </p:nvGrpSpPr>
+      <p:grpSpPr>
+        <a:xfrm>
+          <a:off x="0" y="0"/>
+          <a:ext cx="0" cy="0"/>
+          <a:chOff x="0" y="0"/>
+          <a:chExt cx="0" cy="0"/>
+        </a:xfrm>
+      </p:grpSpPr>
+      <p:sp>
+        <p:nvSpPr>
+          <p:cNvPr id="2" name="Title 1"/>
+          <p:cNvSpPr>
+            <a:spLocks noGrp="1"/>
+          </p:cNvSpPr>
+          <p:nvPr>
+            <p:ph type="title"/>
+          </p:nvPr>
+        </p:nvSpPr>
+        <p:spPr/>
+        <p:txBody>
+          <a:bodyPr/>
+          <a:lstStyle/>
+          <a:p>
+            <a:r>
+              <a:rPr lang="en-US" dirty="0" smtClean="0"/>
+              <a:t> </a:t>
+            </a:r>
+            <a:r>
+              <a:rPr lang="en-US" b="1" dirty="0" smtClean="0"/>
+              <a:t>Performance System</a:t>
+            </a:r>
+            <a:endParaRPr lang="en-US" b="1" dirty="0"/>
+          </a:p>
+        </p:txBody>
+      </p:sp>
+      <p:sp>
+        <p:nvSpPr>
+          <p:cNvPr id="3" name="Content Placeholder 2"/>
+          <p:cNvSpPr>
+            <a:spLocks noGrp="1"/>
+          </p:cNvSpPr>
+          <p:nvPr>
+            <p:ph idx="1"/>
+          </p:nvPr>
+        </p:nvSpPr>
+        <p:spPr/>
+        <p:txBody>
+          <a:bodyPr>
+            <a:normAutofit fontScale="85000" lnSpcReduction="10000"/>
+          </a:bodyPr>
+          <a:lstStyle/>
+          <a:p>
+            <a:r>
+              <a:rPr lang="en-US" dirty="0" smtClean="0"/>
+              <a:t>The Performance System is the module that must solve the given </a:t>
+            </a:r>
+            <a:r>
+              <a:rPr lang="en-US" dirty="0" err="1" smtClean="0"/>
+              <a:t>performance</a:t>
+            </a:r>
+            <a:r>
+              <a:rPr lang="en-US" dirty="0" smtClean="0"/>
+              <a:t> task, in this case playing checkers, by using the learned target function(s). </a:t>
+            </a:r>
+          </a:p>
+          <a:p>
+            <a:r>
+              <a:rPr lang="en-US" dirty="0" smtClean="0"/>
+              <a:t>It takes an instance of a new problem (new game) as input and produces a trace of its solution (game history) as output.</a:t>
+            </a:r>
+          </a:p>
+          <a:p>
+            <a:r>
+              <a:rPr lang="en-US" dirty="0" smtClean="0"/>
+              <a:t>In this strategy used by the Performance System to select its next move at each step is determined by the learned p evaluation function. Therefore, we expect its performance to improve as this evaluation function becomes increasingly accurate.</a:t>
+            </a:r>
+            <a:endParaRPr lang="en-US" dirty="0"/>
+          </a:p>
+        </p:txBody>
+      </p:sp>
+    </p:spTree>
+  </p:cSld>
+  <p:clrMapOvr>
+    <a:masterClrMapping/>
+  </p:clrMapOvr>
+</p:sld>
+</file>
+
+<file path=ppt/slides/slide43.xml><?xml version="1.0" encoding="utf-8"?>
+<p:sld xmlns:a="http://schemas.openxmlformats.org/drawingml/2006/main" xmlns:r="http://schemas.openxmlformats.org/officeDocument/2006/relationships" xmlns:p="http://schemas.openxmlformats.org/presentationml/2006/main">
+  <p:cSld>
+    <p:spTree>
+      <p:nvGrpSpPr>
+        <p:cNvPr id="1" name=""/>
+        <p:cNvGrpSpPr/>
+        <p:nvPr/>
+      </p:nvGrpSpPr>
+      <p:grpSpPr>
+        <a:xfrm>
+          <a:off x="0" y="0"/>
+          <a:ext cx="0" cy="0"/>
+          <a:chOff x="0" y="0"/>
+          <a:chExt cx="0" cy="0"/>
+        </a:xfrm>
+      </p:grpSpPr>
+      <p:sp>
+        <p:nvSpPr>
+          <p:cNvPr id="2" name="Title 1"/>
+          <p:cNvSpPr>
+            <a:spLocks noGrp="1"/>
+          </p:cNvSpPr>
+          <p:nvPr>
+            <p:ph type="title"/>
+          </p:nvPr>
+        </p:nvSpPr>
+        <p:spPr/>
+        <p:txBody>
+          <a:bodyPr/>
+          <a:lstStyle/>
+          <a:p>
+            <a:r>
+              <a:rPr lang="en-US" dirty="0" smtClean="0"/>
+              <a:t>Critic</a:t>
+            </a:r>
+            <a:endParaRPr lang="en-US" dirty="0"/>
+          </a:p>
+        </p:txBody>
+      </p:sp>
+      <p:sp>
+        <p:nvSpPr>
+          <p:cNvPr id="3" name="Content Placeholder 2"/>
+          <p:cNvSpPr>
+            <a:spLocks noGrp="1"/>
+          </p:cNvSpPr>
+          <p:nvPr>
+            <p:ph idx="1"/>
+          </p:nvPr>
+        </p:nvSpPr>
+        <p:spPr/>
+        <p:txBody>
+          <a:bodyPr/>
+          <a:lstStyle/>
+          <a:p>
+            <a:r>
+              <a:rPr lang="en-US" dirty="0" smtClean="0"/>
+              <a:t>The Critic takes as input the history or trace of the game and produces as output a set of training examples of the target function. As shown in the diagram, each training example in this case corresponds to some game state in the trace, along with an estimate </a:t>
+            </a:r>
+            <a:r>
+              <a:rPr lang="en-US" dirty="0" err="1" smtClean="0"/>
+              <a:t>Vtrai</a:t>
+            </a:r>
+            <a:r>
+              <a:rPr lang="en-US" dirty="0" smtClean="0"/>
+              <a:t>, of the target function value for this example</a:t>
+            </a:r>
+            <a:endParaRPr lang="en-US" dirty="0"/>
+          </a:p>
+        </p:txBody>
+      </p:sp>
+    </p:spTree>
+  </p:cSld>
+  <p:clrMapOvr>
+    <a:masterClrMapping/>
+  </p:clrMapOvr>
+</p:sld>
+</file>
+
+<file path=ppt/slides/slide44.xml><?xml version="1.0" encoding="utf-8"?>
+<p:sld xmlns:a="http://schemas.openxmlformats.org/drawingml/2006/main" xmlns:r="http://schemas.openxmlformats.org/officeDocument/2006/relationships" xmlns:p="http://schemas.openxmlformats.org/presentationml/2006/main">
+  <p:cSld>
+    <p:spTree>
+      <p:nvGrpSpPr>
+        <p:cNvPr id="1" name=""/>
+        <p:cNvGrpSpPr/>
+        <p:nvPr/>
+      </p:nvGrpSpPr>
+      <p:grpSpPr>
+        <a:xfrm>
+          <a:off x="0" y="0"/>
+          <a:ext cx="0" cy="0"/>
+          <a:chOff x="0" y="0"/>
+          <a:chExt cx="0" cy="0"/>
+        </a:xfrm>
+      </p:grpSpPr>
+      <p:sp>
+        <p:nvSpPr>
+          <p:cNvPr id="2" name="Title 1"/>
+          <p:cNvSpPr>
+            <a:spLocks noGrp="1"/>
+          </p:cNvSpPr>
+          <p:nvPr>
+            <p:ph type="title"/>
+          </p:nvPr>
+        </p:nvSpPr>
+        <p:spPr/>
+        <p:txBody>
+          <a:bodyPr/>
+          <a:lstStyle/>
+          <a:p>
+            <a:r>
+              <a:rPr lang="en-US" dirty="0" err="1" smtClean="0"/>
+              <a:t>Generalizer</a:t>
+            </a:r>
+            <a:endParaRPr lang="en-US" dirty="0"/>
+          </a:p>
+        </p:txBody>
+      </p:sp>
+      <p:sp>
+        <p:nvSpPr>
+          <p:cNvPr id="3" name="Content Placeholder 2"/>
+          <p:cNvSpPr>
+            <a:spLocks noGrp="1"/>
+          </p:cNvSpPr>
+          <p:nvPr>
+            <p:ph idx="1"/>
+          </p:nvPr>
+        </p:nvSpPr>
+        <p:spPr/>
+        <p:txBody>
+          <a:bodyPr/>
+          <a:lstStyle/>
+          <a:p>
+            <a:r>
+              <a:rPr lang="en-US" dirty="0" smtClean="0"/>
+              <a:t>The </a:t>
+            </a:r>
+            <a:r>
+              <a:rPr lang="en-US" dirty="0" err="1" smtClean="0"/>
+              <a:t>Generalizer</a:t>
+            </a:r>
+            <a:r>
+              <a:rPr lang="en-US" dirty="0" smtClean="0"/>
+              <a:t> takes as input the training examples and produces an output hypothesis that is its estimate of the target function. It generalizes from the specific training examples, hypothesizing a general function that covers these examples and other cases beyond the training examples.</a:t>
+            </a:r>
+            <a:endParaRPr lang="en-US" dirty="0"/>
+          </a:p>
+        </p:txBody>
+      </p:sp>
+    </p:spTree>
+  </p:cSld>
+  <p:clrMapOvr>
+    <a:masterClrMapping/>
+  </p:clrMapOvr>
+</p:sld>
+</file>
+
+<file path=ppt/slides/slide45.xml><?xml version="1.0" encoding="utf-8"?>
+<p:sld xmlns:a="http://schemas.openxmlformats.org/drawingml/2006/main" xmlns:r="http://schemas.openxmlformats.org/officeDocument/2006/relationships" xmlns:p="http://schemas.openxmlformats.org/presentationml/2006/main">
+  <p:cSld>
+    <p:spTree>
+      <p:nvGrpSpPr>
+        <p:cNvPr id="1" name=""/>
+        <p:cNvGrpSpPr/>
+        <p:nvPr/>
+      </p:nvGrpSpPr>
+      <p:grpSpPr>
+        <a:xfrm>
+          <a:off x="0" y="0"/>
+          <a:ext cx="0" cy="0"/>
+          <a:chOff x="0" y="0"/>
+          <a:chExt cx="0" cy="0"/>
+        </a:xfrm>
+      </p:grpSpPr>
+      <p:sp>
+        <p:nvSpPr>
+          <p:cNvPr id="2" name="Title 1"/>
+          <p:cNvSpPr>
+            <a:spLocks noGrp="1"/>
+          </p:cNvSpPr>
+          <p:nvPr>
+            <p:ph type="title"/>
+          </p:nvPr>
+        </p:nvSpPr>
+        <p:spPr/>
+        <p:txBody>
+          <a:bodyPr/>
+          <a:lstStyle/>
+          <a:p>
+            <a:r>
+              <a:rPr lang="en-US" dirty="0" smtClean="0"/>
+              <a:t>Experiment Generator</a:t>
+            </a:r>
+            <a:endParaRPr lang="en-US" dirty="0"/>
+          </a:p>
+        </p:txBody>
+      </p:sp>
+      <p:sp>
+        <p:nvSpPr>
+          <p:cNvPr id="3" name="Content Placeholder 2"/>
+          <p:cNvSpPr>
+            <a:spLocks noGrp="1"/>
+          </p:cNvSpPr>
+          <p:nvPr>
+            <p:ph idx="1"/>
+          </p:nvPr>
+        </p:nvSpPr>
+        <p:spPr/>
+        <p:txBody>
+          <a:bodyPr/>
+          <a:lstStyle/>
+          <a:p>
+            <a:r>
+              <a:rPr lang="en-US" dirty="0" smtClean="0"/>
+              <a:t>The Experiment Generator takes as input the current hypothesis (currently learned function) and outputs a new problem (i.e., initial board state) for the Performance System to explore. Its role is to pick new practice problems that will maximize the learning rate of the overall system.</a:t>
+            </a:r>
+            <a:endParaRPr lang="en-US" dirty="0"/>
+          </a:p>
+        </p:txBody>
+      </p:sp>
+    </p:spTree>
+  </p:cSld>
+  <p:clrMapOvr>
+    <a:masterClrMapping/>
+  </p:clrMapOvr>
 </p:sld>
 </file>
 
